--- a/journalWallFriction/pictures/pdf/Zaxis.pptx
+++ b/journalWallFriction/pictures/pdf/Zaxis.pptx
@@ -2,12 +2,12 @@
 <file path=ppt/presentation.xml><?xml version="1.0" encoding="utf-8"?>
 <p:presentation xmlns:a="http://schemas.openxmlformats.org/drawingml/2006/main" xmlns:r="http://schemas.openxmlformats.org/officeDocument/2006/relationships" xmlns:p="http://schemas.openxmlformats.org/presentationml/2006/main" saveSubsetFonts="1" autoCompressPictures="0">
   <p:sldMasterIdLst>
-    <p:sldMasterId id="2147483672" r:id="rId1"/>
+    <p:sldMasterId id="2147483684" r:id="rId1"/>
   </p:sldMasterIdLst>
   <p:sldIdLst>
     <p:sldId id="256" r:id="rId2"/>
   </p:sldIdLst>
-  <p:sldSz cx="6400800" cy="6858000"/>
+  <p:sldSz cx="12801600" cy="6858000"/>
   <p:notesSz cx="6858000" cy="9144000"/>
   <p:defaultTextStyle>
     <a:defPPr>
@@ -104,6 +104,11 @@
       </a:defRPr>
     </a:lvl9pPr>
   </p:defaultTextStyle>
+  <p:extLst>
+    <p:ext uri="{EFAFB233-063F-42B5-8137-9DF3F51BA10A}">
+      <p15:sldGuideLst xmlns:p15="http://schemas.microsoft.com/office/powerpoint/2012/main"/>
+    </p:ext>
+  </p:extLst>
 </p:presentation>
 </file>
 
@@ -136,20 +141,20 @@
         </p:nvSpPr>
         <p:spPr>
           <a:xfrm>
-            <a:off x="480060" y="1122363"/>
-            <a:ext cx="5440680" cy="2387600"/>
+            <a:off x="1600200" y="1122363"/>
+            <a:ext cx="9601200" cy="2387600"/>
           </a:xfrm>
         </p:spPr>
         <p:txBody>
           <a:bodyPr anchor="b"/>
           <a:lstStyle>
             <a:lvl1pPr algn="ctr">
-              <a:defRPr sz="4200"/>
+              <a:defRPr sz="6000"/>
             </a:lvl1pPr>
           </a:lstStyle>
           <a:p>
             <a:r>
-              <a:rPr lang="en-US" smtClean="0"/>
+              <a:rPr lang="en-US"/>
               <a:t>Click to edit Master title style</a:t>
             </a:r>
             <a:endParaRPr lang="en-US" dirty="0"/>
@@ -168,8 +173,8 @@
         </p:nvSpPr>
         <p:spPr>
           <a:xfrm>
-            <a:off x="800100" y="3602038"/>
-            <a:ext cx="4800600" cy="1655762"/>
+            <a:off x="1600200" y="3602038"/>
+            <a:ext cx="9601200" cy="1655762"/>
           </a:xfrm>
         </p:spPr>
         <p:txBody>
@@ -177,44 +182,44 @@
           <a:lstStyle>
             <a:lvl1pPr marL="0" indent="0" algn="ctr">
               <a:buNone/>
-              <a:defRPr sz="1680"/>
+              <a:defRPr sz="2400"/>
             </a:lvl1pPr>
-            <a:lvl2pPr marL="320040" indent="0" algn="ctr">
-              <a:buNone/>
-              <a:defRPr sz="1400"/>
+            <a:lvl2pPr marL="457200" indent="0" algn="ctr">
+              <a:buNone/>
+              <a:defRPr sz="2000"/>
             </a:lvl2pPr>
-            <a:lvl3pPr marL="640080" indent="0" algn="ctr">
-              <a:buNone/>
-              <a:defRPr sz="1260"/>
+            <a:lvl3pPr marL="914400" indent="0" algn="ctr">
+              <a:buNone/>
+              <a:defRPr sz="1800"/>
             </a:lvl3pPr>
-            <a:lvl4pPr marL="960120" indent="0" algn="ctr">
-              <a:buNone/>
-              <a:defRPr sz="1120"/>
+            <a:lvl4pPr marL="1371600" indent="0" algn="ctr">
+              <a:buNone/>
+              <a:defRPr sz="1600"/>
             </a:lvl4pPr>
-            <a:lvl5pPr marL="1280160" indent="0" algn="ctr">
-              <a:buNone/>
-              <a:defRPr sz="1120"/>
+            <a:lvl5pPr marL="1828800" indent="0" algn="ctr">
+              <a:buNone/>
+              <a:defRPr sz="1600"/>
             </a:lvl5pPr>
-            <a:lvl6pPr marL="1600200" indent="0" algn="ctr">
-              <a:buNone/>
-              <a:defRPr sz="1120"/>
+            <a:lvl6pPr marL="2286000" indent="0" algn="ctr">
+              <a:buNone/>
+              <a:defRPr sz="1600"/>
             </a:lvl6pPr>
-            <a:lvl7pPr marL="1920240" indent="0" algn="ctr">
-              <a:buNone/>
-              <a:defRPr sz="1120"/>
+            <a:lvl7pPr marL="2743200" indent="0" algn="ctr">
+              <a:buNone/>
+              <a:defRPr sz="1600"/>
             </a:lvl7pPr>
-            <a:lvl8pPr marL="2240280" indent="0" algn="ctr">
-              <a:buNone/>
-              <a:defRPr sz="1120"/>
+            <a:lvl8pPr marL="3200400" indent="0" algn="ctr">
+              <a:buNone/>
+              <a:defRPr sz="1600"/>
             </a:lvl8pPr>
-            <a:lvl9pPr marL="2560320" indent="0" algn="ctr">
-              <a:buNone/>
-              <a:defRPr sz="1120"/>
+            <a:lvl9pPr marL="3657600" indent="0" algn="ctr">
+              <a:buNone/>
+              <a:defRPr sz="1600"/>
             </a:lvl9pPr>
           </a:lstStyle>
           <a:p>
             <a:r>
-              <a:rPr lang="en-US" smtClean="0"/>
+              <a:rPr lang="en-US"/>
               <a:t>Click to edit Master subtitle style</a:t>
             </a:r>
             <a:endParaRPr lang="en-US" dirty="0"/>
@@ -238,7 +243,7 @@
           <a:p>
             <a:fld id="{C4198793-6D4C-E343-B515-791BB472C93A}" type="datetimeFigureOut">
               <a:rPr lang="en-US" smtClean="0"/>
-              <a:t>1/4/18</a:t>
+              <a:t>5/1/18</a:t>
             </a:fld>
             <a:endParaRPr lang="en-US"/>
           </a:p>
@@ -287,6 +292,11 @@
         </p:txBody>
       </p:sp>
     </p:spTree>
+    <p:extLst>
+      <p:ext uri="{BB962C8B-B14F-4D97-AF65-F5344CB8AC3E}">
+        <p14:creationId xmlns:p14="http://schemas.microsoft.com/office/powerpoint/2010/main" val="3657895597"/>
+      </p:ext>
+    </p:extLst>
   </p:cSld>
   <p:clrMapOvr>
     <a:masterClrMapping/>
@@ -327,7 +337,7 @@
           <a:lstStyle/>
           <a:p>
             <a:r>
-              <a:rPr lang="en-US" smtClean="0"/>
+              <a:rPr lang="en-US"/>
               <a:t>Click to edit Master title style</a:t>
             </a:r>
             <a:endParaRPr lang="en-US" dirty="0"/>
@@ -351,35 +361,35 @@
           <a:p>
             <a:pPr lvl="0"/>
             <a:r>
-              <a:rPr lang="en-US" smtClean="0"/>
-              <a:t>Click to edit Master text styles</a:t>
+              <a:rPr lang="en-US"/>
+              <a:t>Edit Master text styles</a:t>
             </a:r>
           </a:p>
           <a:p>
             <a:pPr lvl="1"/>
             <a:r>
-              <a:rPr lang="en-US" smtClean="0"/>
+              <a:rPr lang="en-US"/>
               <a:t>Second level</a:t>
             </a:r>
           </a:p>
           <a:p>
             <a:pPr lvl="2"/>
             <a:r>
-              <a:rPr lang="en-US" smtClean="0"/>
+              <a:rPr lang="en-US"/>
               <a:t>Third level</a:t>
             </a:r>
           </a:p>
           <a:p>
             <a:pPr lvl="3"/>
             <a:r>
-              <a:rPr lang="en-US" smtClean="0"/>
+              <a:rPr lang="en-US"/>
               <a:t>Fourth level</a:t>
             </a:r>
           </a:p>
           <a:p>
             <a:pPr lvl="4"/>
             <a:r>
-              <a:rPr lang="en-US" smtClean="0"/>
+              <a:rPr lang="en-US"/>
               <a:t>Fifth level</a:t>
             </a:r>
             <a:endParaRPr lang="en-US" dirty="0"/>
@@ -403,7 +413,7 @@
           <a:p>
             <a:fld id="{C4198793-6D4C-E343-B515-791BB472C93A}" type="datetimeFigureOut">
               <a:rPr lang="en-US" smtClean="0"/>
-              <a:t>1/4/18</a:t>
+              <a:t>5/1/18</a:t>
             </a:fld>
             <a:endParaRPr lang="en-US"/>
           </a:p>
@@ -452,6 +462,11 @@
         </p:txBody>
       </p:sp>
     </p:spTree>
+    <p:extLst>
+      <p:ext uri="{BB962C8B-B14F-4D97-AF65-F5344CB8AC3E}">
+        <p14:creationId xmlns:p14="http://schemas.microsoft.com/office/powerpoint/2010/main" val="1946022774"/>
+      </p:ext>
+    </p:extLst>
   </p:cSld>
   <p:clrMapOvr>
     <a:masterClrMapping/>
@@ -488,8 +503,8 @@
         </p:nvSpPr>
         <p:spPr>
           <a:xfrm>
-            <a:off x="4580573" y="365125"/>
-            <a:ext cx="1380173" cy="5811838"/>
+            <a:off x="9161145" y="365125"/>
+            <a:ext cx="2760345" cy="5811838"/>
           </a:xfrm>
         </p:spPr>
         <p:txBody>
@@ -497,7 +512,7 @@
           <a:lstStyle/>
           <a:p>
             <a:r>
-              <a:rPr lang="en-US" smtClean="0"/>
+              <a:rPr lang="en-US"/>
               <a:t>Click to edit Master title style</a:t>
             </a:r>
             <a:endParaRPr lang="en-US" dirty="0"/>
@@ -516,8 +531,8 @@
         </p:nvSpPr>
         <p:spPr>
           <a:xfrm>
-            <a:off x="440055" y="365125"/>
-            <a:ext cx="4060508" cy="5811838"/>
+            <a:off x="880110" y="365125"/>
+            <a:ext cx="8121015" cy="5811838"/>
           </a:xfrm>
         </p:spPr>
         <p:txBody>
@@ -526,35 +541,35 @@
           <a:p>
             <a:pPr lvl="0"/>
             <a:r>
-              <a:rPr lang="en-US" smtClean="0"/>
-              <a:t>Click to edit Master text styles</a:t>
+              <a:rPr lang="en-US"/>
+              <a:t>Edit Master text styles</a:t>
             </a:r>
           </a:p>
           <a:p>
             <a:pPr lvl="1"/>
             <a:r>
-              <a:rPr lang="en-US" smtClean="0"/>
+              <a:rPr lang="en-US"/>
               <a:t>Second level</a:t>
             </a:r>
           </a:p>
           <a:p>
             <a:pPr lvl="2"/>
             <a:r>
-              <a:rPr lang="en-US" smtClean="0"/>
+              <a:rPr lang="en-US"/>
               <a:t>Third level</a:t>
             </a:r>
           </a:p>
           <a:p>
             <a:pPr lvl="3"/>
             <a:r>
-              <a:rPr lang="en-US" smtClean="0"/>
+              <a:rPr lang="en-US"/>
               <a:t>Fourth level</a:t>
             </a:r>
           </a:p>
           <a:p>
             <a:pPr lvl="4"/>
             <a:r>
-              <a:rPr lang="en-US" smtClean="0"/>
+              <a:rPr lang="en-US"/>
               <a:t>Fifth level</a:t>
             </a:r>
             <a:endParaRPr lang="en-US" dirty="0"/>
@@ -578,7 +593,7 @@
           <a:p>
             <a:fld id="{C4198793-6D4C-E343-B515-791BB472C93A}" type="datetimeFigureOut">
               <a:rPr lang="en-US" smtClean="0"/>
-              <a:t>1/4/18</a:t>
+              <a:t>5/1/18</a:t>
             </a:fld>
             <a:endParaRPr lang="en-US"/>
           </a:p>
@@ -627,6 +642,11 @@
         </p:txBody>
       </p:sp>
     </p:spTree>
+    <p:extLst>
+      <p:ext uri="{BB962C8B-B14F-4D97-AF65-F5344CB8AC3E}">
+        <p14:creationId xmlns:p14="http://schemas.microsoft.com/office/powerpoint/2010/main" val="967821076"/>
+      </p:ext>
+    </p:extLst>
   </p:cSld>
   <p:clrMapOvr>
     <a:masterClrMapping/>
@@ -667,7 +687,7 @@
           <a:lstStyle/>
           <a:p>
             <a:r>
-              <a:rPr lang="en-US" smtClean="0"/>
+              <a:rPr lang="en-US"/>
               <a:t>Click to edit Master title style</a:t>
             </a:r>
             <a:endParaRPr lang="en-US" dirty="0"/>
@@ -691,35 +711,35 @@
           <a:p>
             <a:pPr lvl="0"/>
             <a:r>
-              <a:rPr lang="en-US" smtClean="0"/>
-              <a:t>Click to edit Master text styles</a:t>
+              <a:rPr lang="en-US"/>
+              <a:t>Edit Master text styles</a:t>
             </a:r>
           </a:p>
           <a:p>
             <a:pPr lvl="1"/>
             <a:r>
-              <a:rPr lang="en-US" smtClean="0"/>
+              <a:rPr lang="en-US"/>
               <a:t>Second level</a:t>
             </a:r>
           </a:p>
           <a:p>
             <a:pPr lvl="2"/>
             <a:r>
-              <a:rPr lang="en-US" smtClean="0"/>
+              <a:rPr lang="en-US"/>
               <a:t>Third level</a:t>
             </a:r>
           </a:p>
           <a:p>
             <a:pPr lvl="3"/>
             <a:r>
-              <a:rPr lang="en-US" smtClean="0"/>
+              <a:rPr lang="en-US"/>
               <a:t>Fourth level</a:t>
             </a:r>
           </a:p>
           <a:p>
             <a:pPr lvl="4"/>
             <a:r>
-              <a:rPr lang="en-US" smtClean="0"/>
+              <a:rPr lang="en-US"/>
               <a:t>Fifth level</a:t>
             </a:r>
             <a:endParaRPr lang="en-US" dirty="0"/>
@@ -743,7 +763,7 @@
           <a:p>
             <a:fld id="{C4198793-6D4C-E343-B515-791BB472C93A}" type="datetimeFigureOut">
               <a:rPr lang="en-US" smtClean="0"/>
-              <a:t>1/4/18</a:t>
+              <a:t>5/1/18</a:t>
             </a:fld>
             <a:endParaRPr lang="en-US"/>
           </a:p>
@@ -792,6 +812,11 @@
         </p:txBody>
       </p:sp>
     </p:spTree>
+    <p:extLst>
+      <p:ext uri="{BB962C8B-B14F-4D97-AF65-F5344CB8AC3E}">
+        <p14:creationId xmlns:p14="http://schemas.microsoft.com/office/powerpoint/2010/main" val="2787789781"/>
+      </p:ext>
+    </p:extLst>
   </p:cSld>
   <p:clrMapOvr>
     <a:masterClrMapping/>
@@ -828,20 +853,20 @@
         </p:nvSpPr>
         <p:spPr>
           <a:xfrm>
-            <a:off x="436722" y="1709740"/>
-            <a:ext cx="5520690" cy="2852737"/>
+            <a:off x="873443" y="1709739"/>
+            <a:ext cx="11041380" cy="2852737"/>
           </a:xfrm>
         </p:spPr>
         <p:txBody>
           <a:bodyPr anchor="b"/>
           <a:lstStyle>
             <a:lvl1pPr>
-              <a:defRPr sz="4200"/>
+              <a:defRPr sz="6000"/>
             </a:lvl1pPr>
           </a:lstStyle>
           <a:p>
             <a:r>
-              <a:rPr lang="en-US" smtClean="0"/>
+              <a:rPr lang="en-US"/>
               <a:t>Click to edit Master title style</a:t>
             </a:r>
             <a:endParaRPr lang="en-US" dirty="0"/>
@@ -860,8 +885,8 @@
         </p:nvSpPr>
         <p:spPr>
           <a:xfrm>
-            <a:off x="436722" y="4589465"/>
-            <a:ext cx="5520690" cy="1500187"/>
+            <a:off x="873443" y="4589464"/>
+            <a:ext cx="11041380" cy="1500187"/>
           </a:xfrm>
         </p:spPr>
         <p:txBody>
@@ -869,15 +894,17 @@
           <a:lstStyle>
             <a:lvl1pPr marL="0" indent="0">
               <a:buNone/>
-              <a:defRPr sz="1680">
+              <a:defRPr sz="2400">
                 <a:solidFill>
-                  <a:schemeClr val="tx1"/>
+                  <a:schemeClr val="tx1">
+                    <a:tint val="75000"/>
+                  </a:schemeClr>
                 </a:solidFill>
               </a:defRPr>
             </a:lvl1pPr>
-            <a:lvl2pPr marL="320040" indent="0">
-              <a:buNone/>
-              <a:defRPr sz="1400">
+            <a:lvl2pPr marL="457200" indent="0">
+              <a:buNone/>
+              <a:defRPr sz="2000">
                 <a:solidFill>
                   <a:schemeClr val="tx1">
                     <a:tint val="75000"/>
@@ -885,9 +912,9 @@
                 </a:solidFill>
               </a:defRPr>
             </a:lvl2pPr>
-            <a:lvl3pPr marL="640080" indent="0">
-              <a:buNone/>
-              <a:defRPr sz="1260">
+            <a:lvl3pPr marL="914400" indent="0">
+              <a:buNone/>
+              <a:defRPr sz="1800">
                 <a:solidFill>
                   <a:schemeClr val="tx1">
                     <a:tint val="75000"/>
@@ -895,9 +922,9 @@
                 </a:solidFill>
               </a:defRPr>
             </a:lvl3pPr>
-            <a:lvl4pPr marL="960120" indent="0">
-              <a:buNone/>
-              <a:defRPr sz="1120">
+            <a:lvl4pPr marL="1371600" indent="0">
+              <a:buNone/>
+              <a:defRPr sz="1600">
                 <a:solidFill>
                   <a:schemeClr val="tx1">
                     <a:tint val="75000"/>
@@ -905,9 +932,9 @@
                 </a:solidFill>
               </a:defRPr>
             </a:lvl4pPr>
-            <a:lvl5pPr marL="1280160" indent="0">
-              <a:buNone/>
-              <a:defRPr sz="1120">
+            <a:lvl5pPr marL="1828800" indent="0">
+              <a:buNone/>
+              <a:defRPr sz="1600">
                 <a:solidFill>
                   <a:schemeClr val="tx1">
                     <a:tint val="75000"/>
@@ -915,9 +942,9 @@
                 </a:solidFill>
               </a:defRPr>
             </a:lvl5pPr>
-            <a:lvl6pPr marL="1600200" indent="0">
-              <a:buNone/>
-              <a:defRPr sz="1120">
+            <a:lvl6pPr marL="2286000" indent="0">
+              <a:buNone/>
+              <a:defRPr sz="1600">
                 <a:solidFill>
                   <a:schemeClr val="tx1">
                     <a:tint val="75000"/>
@@ -925,9 +952,9 @@
                 </a:solidFill>
               </a:defRPr>
             </a:lvl6pPr>
-            <a:lvl7pPr marL="1920240" indent="0">
-              <a:buNone/>
-              <a:defRPr sz="1120">
+            <a:lvl7pPr marL="2743200" indent="0">
+              <a:buNone/>
+              <a:defRPr sz="1600">
                 <a:solidFill>
                   <a:schemeClr val="tx1">
                     <a:tint val="75000"/>
@@ -935,9 +962,9 @@
                 </a:solidFill>
               </a:defRPr>
             </a:lvl7pPr>
-            <a:lvl8pPr marL="2240280" indent="0">
-              <a:buNone/>
-              <a:defRPr sz="1120">
+            <a:lvl8pPr marL="3200400" indent="0">
+              <a:buNone/>
+              <a:defRPr sz="1600">
                 <a:solidFill>
                   <a:schemeClr val="tx1">
                     <a:tint val="75000"/>
@@ -945,9 +972,9 @@
                 </a:solidFill>
               </a:defRPr>
             </a:lvl8pPr>
-            <a:lvl9pPr marL="2560320" indent="0">
-              <a:buNone/>
-              <a:defRPr sz="1120">
+            <a:lvl9pPr marL="3657600" indent="0">
+              <a:buNone/>
+              <a:defRPr sz="1600">
                 <a:solidFill>
                   <a:schemeClr val="tx1">
                     <a:tint val="75000"/>
@@ -959,8 +986,8 @@
           <a:p>
             <a:pPr lvl="0"/>
             <a:r>
-              <a:rPr lang="en-US" smtClean="0"/>
-              <a:t>Click to edit Master text styles</a:t>
+              <a:rPr lang="en-US"/>
+              <a:t>Edit Master text styles</a:t>
             </a:r>
           </a:p>
         </p:txBody>
@@ -982,7 +1009,7 @@
           <a:p>
             <a:fld id="{C4198793-6D4C-E343-B515-791BB472C93A}" type="datetimeFigureOut">
               <a:rPr lang="en-US" smtClean="0"/>
-              <a:t>1/4/18</a:t>
+              <a:t>5/1/18</a:t>
             </a:fld>
             <a:endParaRPr lang="en-US"/>
           </a:p>
@@ -1031,6 +1058,11 @@
         </p:txBody>
       </p:sp>
     </p:spTree>
+    <p:extLst>
+      <p:ext uri="{BB962C8B-B14F-4D97-AF65-F5344CB8AC3E}">
+        <p14:creationId xmlns:p14="http://schemas.microsoft.com/office/powerpoint/2010/main" val="3155169152"/>
+      </p:ext>
+    </p:extLst>
   </p:cSld>
   <p:clrMapOvr>
     <a:masterClrMapping/>
@@ -1071,7 +1103,7 @@
           <a:lstStyle/>
           <a:p>
             <a:r>
-              <a:rPr lang="en-US" smtClean="0"/>
+              <a:rPr lang="en-US"/>
               <a:t>Click to edit Master title style</a:t>
             </a:r>
             <a:endParaRPr lang="en-US" dirty="0"/>
@@ -1090,8 +1122,8 @@
         </p:nvSpPr>
         <p:spPr>
           <a:xfrm>
-            <a:off x="440055" y="1825625"/>
-            <a:ext cx="2720340" cy="4351338"/>
+            <a:off x="880110" y="1825625"/>
+            <a:ext cx="5440680" cy="4351338"/>
           </a:xfrm>
         </p:spPr>
         <p:txBody>
@@ -1100,35 +1132,35 @@
           <a:p>
             <a:pPr lvl="0"/>
             <a:r>
-              <a:rPr lang="en-US" smtClean="0"/>
-              <a:t>Click to edit Master text styles</a:t>
+              <a:rPr lang="en-US"/>
+              <a:t>Edit Master text styles</a:t>
             </a:r>
           </a:p>
           <a:p>
             <a:pPr lvl="1"/>
             <a:r>
-              <a:rPr lang="en-US" smtClean="0"/>
+              <a:rPr lang="en-US"/>
               <a:t>Second level</a:t>
             </a:r>
           </a:p>
           <a:p>
             <a:pPr lvl="2"/>
             <a:r>
-              <a:rPr lang="en-US" smtClean="0"/>
+              <a:rPr lang="en-US"/>
               <a:t>Third level</a:t>
             </a:r>
           </a:p>
           <a:p>
             <a:pPr lvl="3"/>
             <a:r>
-              <a:rPr lang="en-US" smtClean="0"/>
+              <a:rPr lang="en-US"/>
               <a:t>Fourth level</a:t>
             </a:r>
           </a:p>
           <a:p>
             <a:pPr lvl="4"/>
             <a:r>
-              <a:rPr lang="en-US" smtClean="0"/>
+              <a:rPr lang="en-US"/>
               <a:t>Fifth level</a:t>
             </a:r>
             <a:endParaRPr lang="en-US" dirty="0"/>
@@ -1147,8 +1179,8 @@
         </p:nvSpPr>
         <p:spPr>
           <a:xfrm>
-            <a:off x="3240405" y="1825625"/>
-            <a:ext cx="2720340" cy="4351338"/>
+            <a:off x="6480810" y="1825625"/>
+            <a:ext cx="5440680" cy="4351338"/>
           </a:xfrm>
         </p:spPr>
         <p:txBody>
@@ -1157,35 +1189,35 @@
           <a:p>
             <a:pPr lvl="0"/>
             <a:r>
-              <a:rPr lang="en-US" smtClean="0"/>
-              <a:t>Click to edit Master text styles</a:t>
+              <a:rPr lang="en-US"/>
+              <a:t>Edit Master text styles</a:t>
             </a:r>
           </a:p>
           <a:p>
             <a:pPr lvl="1"/>
             <a:r>
-              <a:rPr lang="en-US" smtClean="0"/>
+              <a:rPr lang="en-US"/>
               <a:t>Second level</a:t>
             </a:r>
           </a:p>
           <a:p>
             <a:pPr lvl="2"/>
             <a:r>
-              <a:rPr lang="en-US" smtClean="0"/>
+              <a:rPr lang="en-US"/>
               <a:t>Third level</a:t>
             </a:r>
           </a:p>
           <a:p>
             <a:pPr lvl="3"/>
             <a:r>
-              <a:rPr lang="en-US" smtClean="0"/>
+              <a:rPr lang="en-US"/>
               <a:t>Fourth level</a:t>
             </a:r>
           </a:p>
           <a:p>
             <a:pPr lvl="4"/>
             <a:r>
-              <a:rPr lang="en-US" smtClean="0"/>
+              <a:rPr lang="en-US"/>
               <a:t>Fifth level</a:t>
             </a:r>
             <a:endParaRPr lang="en-US" dirty="0"/>
@@ -1209,7 +1241,7 @@
           <a:p>
             <a:fld id="{C4198793-6D4C-E343-B515-791BB472C93A}" type="datetimeFigureOut">
               <a:rPr lang="en-US" smtClean="0"/>
-              <a:t>1/4/18</a:t>
+              <a:t>5/1/18</a:t>
             </a:fld>
             <a:endParaRPr lang="en-US"/>
           </a:p>
@@ -1258,6 +1290,11 @@
         </p:txBody>
       </p:sp>
     </p:spTree>
+    <p:extLst>
+      <p:ext uri="{BB962C8B-B14F-4D97-AF65-F5344CB8AC3E}">
+        <p14:creationId xmlns:p14="http://schemas.microsoft.com/office/powerpoint/2010/main" val="4202139105"/>
+      </p:ext>
+    </p:extLst>
   </p:cSld>
   <p:clrMapOvr>
     <a:masterClrMapping/>
@@ -1294,8 +1331,8 @@
         </p:nvSpPr>
         <p:spPr>
           <a:xfrm>
-            <a:off x="440889" y="365127"/>
-            <a:ext cx="5520690" cy="1325563"/>
+            <a:off x="881777" y="365126"/>
+            <a:ext cx="11041380" cy="1325563"/>
           </a:xfrm>
         </p:spPr>
         <p:txBody>
@@ -1303,7 +1340,7 @@
           <a:lstStyle/>
           <a:p>
             <a:r>
-              <a:rPr lang="en-US" smtClean="0"/>
+              <a:rPr lang="en-US"/>
               <a:t>Click to edit Master title style</a:t>
             </a:r>
             <a:endParaRPr lang="en-US" dirty="0"/>
@@ -1322,8 +1359,8 @@
         </p:nvSpPr>
         <p:spPr>
           <a:xfrm>
-            <a:off x="440889" y="1681163"/>
-            <a:ext cx="2707838" cy="823912"/>
+            <a:off x="881778" y="1681163"/>
+            <a:ext cx="5415676" cy="823912"/>
           </a:xfrm>
         </p:spPr>
         <p:txBody>
@@ -1331,46 +1368,46 @@
           <a:lstStyle>
             <a:lvl1pPr marL="0" indent="0">
               <a:buNone/>
-              <a:defRPr sz="1680" b="1"/>
+              <a:defRPr sz="2400" b="1"/>
             </a:lvl1pPr>
-            <a:lvl2pPr marL="320040" indent="0">
-              <a:buNone/>
-              <a:defRPr sz="1400" b="1"/>
+            <a:lvl2pPr marL="457200" indent="0">
+              <a:buNone/>
+              <a:defRPr sz="2000" b="1"/>
             </a:lvl2pPr>
-            <a:lvl3pPr marL="640080" indent="0">
-              <a:buNone/>
-              <a:defRPr sz="1260" b="1"/>
+            <a:lvl3pPr marL="914400" indent="0">
+              <a:buNone/>
+              <a:defRPr sz="1800" b="1"/>
             </a:lvl3pPr>
-            <a:lvl4pPr marL="960120" indent="0">
-              <a:buNone/>
-              <a:defRPr sz="1120" b="1"/>
+            <a:lvl4pPr marL="1371600" indent="0">
+              <a:buNone/>
+              <a:defRPr sz="1600" b="1"/>
             </a:lvl4pPr>
-            <a:lvl5pPr marL="1280160" indent="0">
-              <a:buNone/>
-              <a:defRPr sz="1120" b="1"/>
+            <a:lvl5pPr marL="1828800" indent="0">
+              <a:buNone/>
+              <a:defRPr sz="1600" b="1"/>
             </a:lvl5pPr>
-            <a:lvl6pPr marL="1600200" indent="0">
-              <a:buNone/>
-              <a:defRPr sz="1120" b="1"/>
+            <a:lvl6pPr marL="2286000" indent="0">
+              <a:buNone/>
+              <a:defRPr sz="1600" b="1"/>
             </a:lvl6pPr>
-            <a:lvl7pPr marL="1920240" indent="0">
-              <a:buNone/>
-              <a:defRPr sz="1120" b="1"/>
+            <a:lvl7pPr marL="2743200" indent="0">
+              <a:buNone/>
+              <a:defRPr sz="1600" b="1"/>
             </a:lvl7pPr>
-            <a:lvl8pPr marL="2240280" indent="0">
-              <a:buNone/>
-              <a:defRPr sz="1120" b="1"/>
+            <a:lvl8pPr marL="3200400" indent="0">
+              <a:buNone/>
+              <a:defRPr sz="1600" b="1"/>
             </a:lvl8pPr>
-            <a:lvl9pPr marL="2560320" indent="0">
-              <a:buNone/>
-              <a:defRPr sz="1120" b="1"/>
+            <a:lvl9pPr marL="3657600" indent="0">
+              <a:buNone/>
+              <a:defRPr sz="1600" b="1"/>
             </a:lvl9pPr>
           </a:lstStyle>
           <a:p>
             <a:pPr lvl="0"/>
             <a:r>
-              <a:rPr lang="en-US" smtClean="0"/>
-              <a:t>Click to edit Master text styles</a:t>
+              <a:rPr lang="en-US"/>
+              <a:t>Edit Master text styles</a:t>
             </a:r>
           </a:p>
         </p:txBody>
@@ -1387,8 +1424,8 @@
         </p:nvSpPr>
         <p:spPr>
           <a:xfrm>
-            <a:off x="440889" y="2505075"/>
-            <a:ext cx="2707838" cy="3684588"/>
+            <a:off x="881778" y="2505075"/>
+            <a:ext cx="5415676" cy="3684588"/>
           </a:xfrm>
         </p:spPr>
         <p:txBody>
@@ -1397,35 +1434,35 @@
           <a:p>
             <a:pPr lvl="0"/>
             <a:r>
-              <a:rPr lang="en-US" smtClean="0"/>
-              <a:t>Click to edit Master text styles</a:t>
+              <a:rPr lang="en-US"/>
+              <a:t>Edit Master text styles</a:t>
             </a:r>
           </a:p>
           <a:p>
             <a:pPr lvl="1"/>
             <a:r>
-              <a:rPr lang="en-US" smtClean="0"/>
+              <a:rPr lang="en-US"/>
               <a:t>Second level</a:t>
             </a:r>
           </a:p>
           <a:p>
             <a:pPr lvl="2"/>
             <a:r>
-              <a:rPr lang="en-US" smtClean="0"/>
+              <a:rPr lang="en-US"/>
               <a:t>Third level</a:t>
             </a:r>
           </a:p>
           <a:p>
             <a:pPr lvl="3"/>
             <a:r>
-              <a:rPr lang="en-US" smtClean="0"/>
+              <a:rPr lang="en-US"/>
               <a:t>Fourth level</a:t>
             </a:r>
           </a:p>
           <a:p>
             <a:pPr lvl="4"/>
             <a:r>
-              <a:rPr lang="en-US" smtClean="0"/>
+              <a:rPr lang="en-US"/>
               <a:t>Fifth level</a:t>
             </a:r>
             <a:endParaRPr lang="en-US" dirty="0"/>
@@ -1444,8 +1481,8 @@
         </p:nvSpPr>
         <p:spPr>
           <a:xfrm>
-            <a:off x="3240405" y="1681163"/>
-            <a:ext cx="2721174" cy="823912"/>
+            <a:off x="6480810" y="1681163"/>
+            <a:ext cx="5442347" cy="823912"/>
           </a:xfrm>
         </p:spPr>
         <p:txBody>
@@ -1453,46 +1490,46 @@
           <a:lstStyle>
             <a:lvl1pPr marL="0" indent="0">
               <a:buNone/>
-              <a:defRPr sz="1680" b="1"/>
+              <a:defRPr sz="2400" b="1"/>
             </a:lvl1pPr>
-            <a:lvl2pPr marL="320040" indent="0">
-              <a:buNone/>
-              <a:defRPr sz="1400" b="1"/>
+            <a:lvl2pPr marL="457200" indent="0">
+              <a:buNone/>
+              <a:defRPr sz="2000" b="1"/>
             </a:lvl2pPr>
-            <a:lvl3pPr marL="640080" indent="0">
-              <a:buNone/>
-              <a:defRPr sz="1260" b="1"/>
+            <a:lvl3pPr marL="914400" indent="0">
+              <a:buNone/>
+              <a:defRPr sz="1800" b="1"/>
             </a:lvl3pPr>
-            <a:lvl4pPr marL="960120" indent="0">
-              <a:buNone/>
-              <a:defRPr sz="1120" b="1"/>
+            <a:lvl4pPr marL="1371600" indent="0">
+              <a:buNone/>
+              <a:defRPr sz="1600" b="1"/>
             </a:lvl4pPr>
-            <a:lvl5pPr marL="1280160" indent="0">
-              <a:buNone/>
-              <a:defRPr sz="1120" b="1"/>
+            <a:lvl5pPr marL="1828800" indent="0">
+              <a:buNone/>
+              <a:defRPr sz="1600" b="1"/>
             </a:lvl5pPr>
-            <a:lvl6pPr marL="1600200" indent="0">
-              <a:buNone/>
-              <a:defRPr sz="1120" b="1"/>
+            <a:lvl6pPr marL="2286000" indent="0">
+              <a:buNone/>
+              <a:defRPr sz="1600" b="1"/>
             </a:lvl6pPr>
-            <a:lvl7pPr marL="1920240" indent="0">
-              <a:buNone/>
-              <a:defRPr sz="1120" b="1"/>
+            <a:lvl7pPr marL="2743200" indent="0">
+              <a:buNone/>
+              <a:defRPr sz="1600" b="1"/>
             </a:lvl7pPr>
-            <a:lvl8pPr marL="2240280" indent="0">
-              <a:buNone/>
-              <a:defRPr sz="1120" b="1"/>
+            <a:lvl8pPr marL="3200400" indent="0">
+              <a:buNone/>
+              <a:defRPr sz="1600" b="1"/>
             </a:lvl8pPr>
-            <a:lvl9pPr marL="2560320" indent="0">
-              <a:buNone/>
-              <a:defRPr sz="1120" b="1"/>
+            <a:lvl9pPr marL="3657600" indent="0">
+              <a:buNone/>
+              <a:defRPr sz="1600" b="1"/>
             </a:lvl9pPr>
           </a:lstStyle>
           <a:p>
             <a:pPr lvl="0"/>
             <a:r>
-              <a:rPr lang="en-US" smtClean="0"/>
-              <a:t>Click to edit Master text styles</a:t>
+              <a:rPr lang="en-US"/>
+              <a:t>Edit Master text styles</a:t>
             </a:r>
           </a:p>
         </p:txBody>
@@ -1509,8 +1546,8 @@
         </p:nvSpPr>
         <p:spPr>
           <a:xfrm>
-            <a:off x="3240405" y="2505075"/>
-            <a:ext cx="2721174" cy="3684588"/>
+            <a:off x="6480810" y="2505075"/>
+            <a:ext cx="5442347" cy="3684588"/>
           </a:xfrm>
         </p:spPr>
         <p:txBody>
@@ -1519,35 +1556,35 @@
           <a:p>
             <a:pPr lvl="0"/>
             <a:r>
-              <a:rPr lang="en-US" smtClean="0"/>
-              <a:t>Click to edit Master text styles</a:t>
+              <a:rPr lang="en-US"/>
+              <a:t>Edit Master text styles</a:t>
             </a:r>
           </a:p>
           <a:p>
             <a:pPr lvl="1"/>
             <a:r>
-              <a:rPr lang="en-US" smtClean="0"/>
+              <a:rPr lang="en-US"/>
               <a:t>Second level</a:t>
             </a:r>
           </a:p>
           <a:p>
             <a:pPr lvl="2"/>
             <a:r>
-              <a:rPr lang="en-US" smtClean="0"/>
+              <a:rPr lang="en-US"/>
               <a:t>Third level</a:t>
             </a:r>
           </a:p>
           <a:p>
             <a:pPr lvl="3"/>
             <a:r>
-              <a:rPr lang="en-US" smtClean="0"/>
+              <a:rPr lang="en-US"/>
               <a:t>Fourth level</a:t>
             </a:r>
           </a:p>
           <a:p>
             <a:pPr lvl="4"/>
             <a:r>
-              <a:rPr lang="en-US" smtClean="0"/>
+              <a:rPr lang="en-US"/>
               <a:t>Fifth level</a:t>
             </a:r>
             <a:endParaRPr lang="en-US" dirty="0"/>
@@ -1571,7 +1608,7 @@
           <a:p>
             <a:fld id="{C4198793-6D4C-E343-B515-791BB472C93A}" type="datetimeFigureOut">
               <a:rPr lang="en-US" smtClean="0"/>
-              <a:t>1/4/18</a:t>
+              <a:t>5/1/18</a:t>
             </a:fld>
             <a:endParaRPr lang="en-US"/>
           </a:p>
@@ -1620,6 +1657,11 @@
         </p:txBody>
       </p:sp>
     </p:spTree>
+    <p:extLst>
+      <p:ext uri="{BB962C8B-B14F-4D97-AF65-F5344CB8AC3E}">
+        <p14:creationId xmlns:p14="http://schemas.microsoft.com/office/powerpoint/2010/main" val="3965879426"/>
+      </p:ext>
+    </p:extLst>
   </p:cSld>
   <p:clrMapOvr>
     <a:masterClrMapping/>
@@ -1660,7 +1702,7 @@
           <a:lstStyle/>
           <a:p>
             <a:r>
-              <a:rPr lang="en-US" smtClean="0"/>
+              <a:rPr lang="en-US"/>
               <a:t>Click to edit Master title style</a:t>
             </a:r>
             <a:endParaRPr lang="en-US" dirty="0"/>
@@ -1684,7 +1726,7 @@
           <a:p>
             <a:fld id="{C4198793-6D4C-E343-B515-791BB472C93A}" type="datetimeFigureOut">
               <a:rPr lang="en-US" smtClean="0"/>
-              <a:t>1/4/18</a:t>
+              <a:t>5/1/18</a:t>
             </a:fld>
             <a:endParaRPr lang="en-US"/>
           </a:p>
@@ -1733,6 +1775,11 @@
         </p:txBody>
       </p:sp>
     </p:spTree>
+    <p:extLst>
+      <p:ext uri="{BB962C8B-B14F-4D97-AF65-F5344CB8AC3E}">
+        <p14:creationId xmlns:p14="http://schemas.microsoft.com/office/powerpoint/2010/main" val="1130191902"/>
+      </p:ext>
+    </p:extLst>
   </p:cSld>
   <p:clrMapOvr>
     <a:masterClrMapping/>
@@ -1774,7 +1821,7 @@
           <a:p>
             <a:fld id="{C4198793-6D4C-E343-B515-791BB472C93A}" type="datetimeFigureOut">
               <a:rPr lang="en-US" smtClean="0"/>
-              <a:t>1/4/18</a:t>
+              <a:t>5/1/18</a:t>
             </a:fld>
             <a:endParaRPr lang="en-US"/>
           </a:p>
@@ -1823,6 +1870,11 @@
         </p:txBody>
       </p:sp>
     </p:spTree>
+    <p:extLst>
+      <p:ext uri="{BB962C8B-B14F-4D97-AF65-F5344CB8AC3E}">
+        <p14:creationId xmlns:p14="http://schemas.microsoft.com/office/powerpoint/2010/main" val="1390302846"/>
+      </p:ext>
+    </p:extLst>
   </p:cSld>
   <p:clrMapOvr>
     <a:masterClrMapping/>
@@ -1859,20 +1911,20 @@
         </p:nvSpPr>
         <p:spPr>
           <a:xfrm>
-            <a:off x="440889" y="457200"/>
-            <a:ext cx="2064425" cy="1600200"/>
+            <a:off x="881778" y="457200"/>
+            <a:ext cx="4128849" cy="1600200"/>
           </a:xfrm>
         </p:spPr>
         <p:txBody>
           <a:bodyPr anchor="b"/>
           <a:lstStyle>
             <a:lvl1pPr>
-              <a:defRPr sz="2240"/>
+              <a:defRPr sz="3200"/>
             </a:lvl1pPr>
           </a:lstStyle>
           <a:p>
             <a:r>
-              <a:rPr lang="en-US" smtClean="0"/>
+              <a:rPr lang="en-US"/>
               <a:t>Click to edit Master title style</a:t>
             </a:r>
             <a:endParaRPr lang="en-US" dirty="0"/>
@@ -1891,73 +1943,73 @@
         </p:nvSpPr>
         <p:spPr>
           <a:xfrm>
-            <a:off x="2721174" y="987427"/>
-            <a:ext cx="3240405" cy="4873625"/>
+            <a:off x="5442347" y="987426"/>
+            <a:ext cx="6480810" cy="4873625"/>
           </a:xfrm>
         </p:spPr>
         <p:txBody>
           <a:bodyPr/>
           <a:lstStyle>
             <a:lvl1pPr>
-              <a:defRPr sz="2240"/>
+              <a:defRPr sz="3200"/>
             </a:lvl1pPr>
             <a:lvl2pPr>
-              <a:defRPr sz="1960"/>
+              <a:defRPr sz="2800"/>
             </a:lvl2pPr>
             <a:lvl3pPr>
-              <a:defRPr sz="1680"/>
+              <a:defRPr sz="2400"/>
             </a:lvl3pPr>
             <a:lvl4pPr>
-              <a:defRPr sz="1400"/>
+              <a:defRPr sz="2000"/>
             </a:lvl4pPr>
             <a:lvl5pPr>
-              <a:defRPr sz="1400"/>
+              <a:defRPr sz="2000"/>
             </a:lvl5pPr>
             <a:lvl6pPr>
-              <a:defRPr sz="1400"/>
+              <a:defRPr sz="2000"/>
             </a:lvl6pPr>
             <a:lvl7pPr>
-              <a:defRPr sz="1400"/>
+              <a:defRPr sz="2000"/>
             </a:lvl7pPr>
             <a:lvl8pPr>
-              <a:defRPr sz="1400"/>
+              <a:defRPr sz="2000"/>
             </a:lvl8pPr>
             <a:lvl9pPr>
-              <a:defRPr sz="1400"/>
+              <a:defRPr sz="2000"/>
             </a:lvl9pPr>
           </a:lstStyle>
           <a:p>
             <a:pPr lvl="0"/>
             <a:r>
-              <a:rPr lang="en-US" smtClean="0"/>
-              <a:t>Click to edit Master text styles</a:t>
+              <a:rPr lang="en-US"/>
+              <a:t>Edit Master text styles</a:t>
             </a:r>
           </a:p>
           <a:p>
             <a:pPr lvl="1"/>
             <a:r>
-              <a:rPr lang="en-US" smtClean="0"/>
+              <a:rPr lang="en-US"/>
               <a:t>Second level</a:t>
             </a:r>
           </a:p>
           <a:p>
             <a:pPr lvl="2"/>
             <a:r>
-              <a:rPr lang="en-US" smtClean="0"/>
+              <a:rPr lang="en-US"/>
               <a:t>Third level</a:t>
             </a:r>
           </a:p>
           <a:p>
             <a:pPr lvl="3"/>
             <a:r>
-              <a:rPr lang="en-US" smtClean="0"/>
+              <a:rPr lang="en-US"/>
               <a:t>Fourth level</a:t>
             </a:r>
           </a:p>
           <a:p>
             <a:pPr lvl="4"/>
             <a:r>
-              <a:rPr lang="en-US" smtClean="0"/>
+              <a:rPr lang="en-US"/>
               <a:t>Fifth level</a:t>
             </a:r>
             <a:endParaRPr lang="en-US" dirty="0"/>
@@ -1976,8 +2028,8 @@
         </p:nvSpPr>
         <p:spPr>
           <a:xfrm>
-            <a:off x="440889" y="2057400"/>
-            <a:ext cx="2064425" cy="3811588"/>
+            <a:off x="881778" y="2057400"/>
+            <a:ext cx="4128849" cy="3811588"/>
           </a:xfrm>
         </p:spPr>
         <p:txBody>
@@ -1985,46 +2037,46 @@
           <a:lstStyle>
             <a:lvl1pPr marL="0" indent="0">
               <a:buNone/>
-              <a:defRPr sz="1120"/>
+              <a:defRPr sz="1600"/>
             </a:lvl1pPr>
-            <a:lvl2pPr marL="320040" indent="0">
-              <a:buNone/>
-              <a:defRPr sz="980"/>
+            <a:lvl2pPr marL="457200" indent="0">
+              <a:buNone/>
+              <a:defRPr sz="1400"/>
             </a:lvl2pPr>
-            <a:lvl3pPr marL="640080" indent="0">
-              <a:buNone/>
-              <a:defRPr sz="840"/>
+            <a:lvl3pPr marL="914400" indent="0">
+              <a:buNone/>
+              <a:defRPr sz="1200"/>
             </a:lvl3pPr>
-            <a:lvl4pPr marL="960120" indent="0">
-              <a:buNone/>
-              <a:defRPr sz="700"/>
+            <a:lvl4pPr marL="1371600" indent="0">
+              <a:buNone/>
+              <a:defRPr sz="1000"/>
             </a:lvl4pPr>
-            <a:lvl5pPr marL="1280160" indent="0">
-              <a:buNone/>
-              <a:defRPr sz="700"/>
+            <a:lvl5pPr marL="1828800" indent="0">
+              <a:buNone/>
+              <a:defRPr sz="1000"/>
             </a:lvl5pPr>
-            <a:lvl6pPr marL="1600200" indent="0">
-              <a:buNone/>
-              <a:defRPr sz="700"/>
+            <a:lvl6pPr marL="2286000" indent="0">
+              <a:buNone/>
+              <a:defRPr sz="1000"/>
             </a:lvl6pPr>
-            <a:lvl7pPr marL="1920240" indent="0">
-              <a:buNone/>
-              <a:defRPr sz="700"/>
+            <a:lvl7pPr marL="2743200" indent="0">
+              <a:buNone/>
+              <a:defRPr sz="1000"/>
             </a:lvl7pPr>
-            <a:lvl8pPr marL="2240280" indent="0">
-              <a:buNone/>
-              <a:defRPr sz="700"/>
+            <a:lvl8pPr marL="3200400" indent="0">
+              <a:buNone/>
+              <a:defRPr sz="1000"/>
             </a:lvl8pPr>
-            <a:lvl9pPr marL="2560320" indent="0">
-              <a:buNone/>
-              <a:defRPr sz="700"/>
+            <a:lvl9pPr marL="3657600" indent="0">
+              <a:buNone/>
+              <a:defRPr sz="1000"/>
             </a:lvl9pPr>
           </a:lstStyle>
           <a:p>
             <a:pPr lvl="0"/>
             <a:r>
-              <a:rPr lang="en-US" smtClean="0"/>
-              <a:t>Click to edit Master text styles</a:t>
+              <a:rPr lang="en-US"/>
+              <a:t>Edit Master text styles</a:t>
             </a:r>
           </a:p>
         </p:txBody>
@@ -2046,7 +2098,7 @@
           <a:p>
             <a:fld id="{C4198793-6D4C-E343-B515-791BB472C93A}" type="datetimeFigureOut">
               <a:rPr lang="en-US" smtClean="0"/>
-              <a:t>1/4/18</a:t>
+              <a:t>5/1/18</a:t>
             </a:fld>
             <a:endParaRPr lang="en-US"/>
           </a:p>
@@ -2095,6 +2147,11 @@
         </p:txBody>
       </p:sp>
     </p:spTree>
+    <p:extLst>
+      <p:ext uri="{BB962C8B-B14F-4D97-AF65-F5344CB8AC3E}">
+        <p14:creationId xmlns:p14="http://schemas.microsoft.com/office/powerpoint/2010/main" val="4288745499"/>
+      </p:ext>
+    </p:extLst>
   </p:cSld>
   <p:clrMapOvr>
     <a:masterClrMapping/>
@@ -2131,20 +2188,20 @@
         </p:nvSpPr>
         <p:spPr>
           <a:xfrm>
-            <a:off x="440889" y="457200"/>
-            <a:ext cx="2064425" cy="1600200"/>
+            <a:off x="881778" y="457200"/>
+            <a:ext cx="4128849" cy="1600200"/>
           </a:xfrm>
         </p:spPr>
         <p:txBody>
           <a:bodyPr anchor="b"/>
           <a:lstStyle>
             <a:lvl1pPr>
-              <a:defRPr sz="2240"/>
+              <a:defRPr sz="3200"/>
             </a:lvl1pPr>
           </a:lstStyle>
           <a:p>
             <a:r>
-              <a:rPr lang="en-US" smtClean="0"/>
+              <a:rPr lang="en-US"/>
               <a:t>Click to edit Master title style</a:t>
             </a:r>
             <a:endParaRPr lang="en-US" dirty="0"/>
@@ -2163,8 +2220,8 @@
         </p:nvSpPr>
         <p:spPr>
           <a:xfrm>
-            <a:off x="2721174" y="987427"/>
-            <a:ext cx="3240405" cy="4873625"/>
+            <a:off x="5442347" y="987426"/>
+            <a:ext cx="6480810" cy="4873625"/>
           </a:xfrm>
         </p:spPr>
         <p:txBody>
@@ -2172,45 +2229,45 @@
           <a:lstStyle>
             <a:lvl1pPr marL="0" indent="0">
               <a:buNone/>
-              <a:defRPr sz="2240"/>
+              <a:defRPr sz="3200"/>
             </a:lvl1pPr>
-            <a:lvl2pPr marL="320040" indent="0">
-              <a:buNone/>
-              <a:defRPr sz="1960"/>
+            <a:lvl2pPr marL="457200" indent="0">
+              <a:buNone/>
+              <a:defRPr sz="2800"/>
             </a:lvl2pPr>
-            <a:lvl3pPr marL="640080" indent="0">
-              <a:buNone/>
-              <a:defRPr sz="1680"/>
+            <a:lvl3pPr marL="914400" indent="0">
+              <a:buNone/>
+              <a:defRPr sz="2400"/>
             </a:lvl3pPr>
-            <a:lvl4pPr marL="960120" indent="0">
-              <a:buNone/>
-              <a:defRPr sz="1400"/>
+            <a:lvl4pPr marL="1371600" indent="0">
+              <a:buNone/>
+              <a:defRPr sz="2000"/>
             </a:lvl4pPr>
-            <a:lvl5pPr marL="1280160" indent="0">
-              <a:buNone/>
-              <a:defRPr sz="1400"/>
+            <a:lvl5pPr marL="1828800" indent="0">
+              <a:buNone/>
+              <a:defRPr sz="2000"/>
             </a:lvl5pPr>
-            <a:lvl6pPr marL="1600200" indent="0">
-              <a:buNone/>
-              <a:defRPr sz="1400"/>
+            <a:lvl6pPr marL="2286000" indent="0">
+              <a:buNone/>
+              <a:defRPr sz="2000"/>
             </a:lvl6pPr>
-            <a:lvl7pPr marL="1920240" indent="0">
-              <a:buNone/>
-              <a:defRPr sz="1400"/>
+            <a:lvl7pPr marL="2743200" indent="0">
+              <a:buNone/>
+              <a:defRPr sz="2000"/>
             </a:lvl7pPr>
-            <a:lvl8pPr marL="2240280" indent="0">
-              <a:buNone/>
-              <a:defRPr sz="1400"/>
+            <a:lvl8pPr marL="3200400" indent="0">
+              <a:buNone/>
+              <a:defRPr sz="2000"/>
             </a:lvl8pPr>
-            <a:lvl9pPr marL="2560320" indent="0">
-              <a:buNone/>
-              <a:defRPr sz="1400"/>
+            <a:lvl9pPr marL="3657600" indent="0">
+              <a:buNone/>
+              <a:defRPr sz="2000"/>
             </a:lvl9pPr>
           </a:lstStyle>
           <a:p>
             <a:r>
-              <a:rPr lang="en-US" smtClean="0"/>
-              <a:t>Drag picture to placeholder or click icon to add</a:t>
+              <a:rPr lang="en-US"/>
+              <a:t>Click icon to add picture</a:t>
             </a:r>
             <a:endParaRPr lang="en-US" dirty="0"/>
           </a:p>
@@ -2228,8 +2285,8 @@
         </p:nvSpPr>
         <p:spPr>
           <a:xfrm>
-            <a:off x="440889" y="2057400"/>
-            <a:ext cx="2064425" cy="3811588"/>
+            <a:off x="881778" y="2057400"/>
+            <a:ext cx="4128849" cy="3811588"/>
           </a:xfrm>
         </p:spPr>
         <p:txBody>
@@ -2237,46 +2294,46 @@
           <a:lstStyle>
             <a:lvl1pPr marL="0" indent="0">
               <a:buNone/>
-              <a:defRPr sz="1120"/>
+              <a:defRPr sz="1600"/>
             </a:lvl1pPr>
-            <a:lvl2pPr marL="320040" indent="0">
-              <a:buNone/>
-              <a:defRPr sz="980"/>
+            <a:lvl2pPr marL="457200" indent="0">
+              <a:buNone/>
+              <a:defRPr sz="1400"/>
             </a:lvl2pPr>
-            <a:lvl3pPr marL="640080" indent="0">
-              <a:buNone/>
-              <a:defRPr sz="840"/>
+            <a:lvl3pPr marL="914400" indent="0">
+              <a:buNone/>
+              <a:defRPr sz="1200"/>
             </a:lvl3pPr>
-            <a:lvl4pPr marL="960120" indent="0">
-              <a:buNone/>
-              <a:defRPr sz="700"/>
+            <a:lvl4pPr marL="1371600" indent="0">
+              <a:buNone/>
+              <a:defRPr sz="1000"/>
             </a:lvl4pPr>
-            <a:lvl5pPr marL="1280160" indent="0">
-              <a:buNone/>
-              <a:defRPr sz="700"/>
+            <a:lvl5pPr marL="1828800" indent="0">
+              <a:buNone/>
+              <a:defRPr sz="1000"/>
             </a:lvl5pPr>
-            <a:lvl6pPr marL="1600200" indent="0">
-              <a:buNone/>
-              <a:defRPr sz="700"/>
+            <a:lvl6pPr marL="2286000" indent="0">
+              <a:buNone/>
+              <a:defRPr sz="1000"/>
             </a:lvl6pPr>
-            <a:lvl7pPr marL="1920240" indent="0">
-              <a:buNone/>
-              <a:defRPr sz="700"/>
+            <a:lvl7pPr marL="2743200" indent="0">
+              <a:buNone/>
+              <a:defRPr sz="1000"/>
             </a:lvl7pPr>
-            <a:lvl8pPr marL="2240280" indent="0">
-              <a:buNone/>
-              <a:defRPr sz="700"/>
+            <a:lvl8pPr marL="3200400" indent="0">
+              <a:buNone/>
+              <a:defRPr sz="1000"/>
             </a:lvl8pPr>
-            <a:lvl9pPr marL="2560320" indent="0">
-              <a:buNone/>
-              <a:defRPr sz="700"/>
+            <a:lvl9pPr marL="3657600" indent="0">
+              <a:buNone/>
+              <a:defRPr sz="1000"/>
             </a:lvl9pPr>
           </a:lstStyle>
           <a:p>
             <a:pPr lvl="0"/>
             <a:r>
-              <a:rPr lang="en-US" smtClean="0"/>
-              <a:t>Click to edit Master text styles</a:t>
+              <a:rPr lang="en-US"/>
+              <a:t>Edit Master text styles</a:t>
             </a:r>
           </a:p>
         </p:txBody>
@@ -2298,7 +2355,7 @@
           <a:p>
             <a:fld id="{C4198793-6D4C-E343-B515-791BB472C93A}" type="datetimeFigureOut">
               <a:rPr lang="en-US" smtClean="0"/>
-              <a:t>1/4/18</a:t>
+              <a:t>5/1/18</a:t>
             </a:fld>
             <a:endParaRPr lang="en-US"/>
           </a:p>
@@ -2347,6 +2404,11 @@
         </p:txBody>
       </p:sp>
     </p:spTree>
+    <p:extLst>
+      <p:ext uri="{BB962C8B-B14F-4D97-AF65-F5344CB8AC3E}">
+        <p14:creationId xmlns:p14="http://schemas.microsoft.com/office/powerpoint/2010/main" val="3857777572"/>
+      </p:ext>
+    </p:extLst>
   </p:cSld>
   <p:clrMapOvr>
     <a:masterClrMapping/>
@@ -2388,8 +2450,8 @@
         </p:nvSpPr>
         <p:spPr>
           <a:xfrm>
-            <a:off x="440055" y="365127"/>
-            <a:ext cx="5520690" cy="1325563"/>
+            <a:off x="880110" y="365126"/>
+            <a:ext cx="11041380" cy="1325563"/>
           </a:xfrm>
           <a:prstGeom prst="rect">
             <a:avLst/>
@@ -2402,7 +2464,7 @@
           <a:lstStyle/>
           <a:p>
             <a:r>
-              <a:rPr lang="en-US" smtClean="0"/>
+              <a:rPr lang="en-US"/>
               <a:t>Click to edit Master title style</a:t>
             </a:r>
             <a:endParaRPr lang="en-US" dirty="0"/>
@@ -2421,8 +2483,8 @@
         </p:nvSpPr>
         <p:spPr>
           <a:xfrm>
-            <a:off x="440055" y="1825625"/>
-            <a:ext cx="5520690" cy="4351338"/>
+            <a:off x="880110" y="1825625"/>
+            <a:ext cx="11041380" cy="4351338"/>
           </a:xfrm>
           <a:prstGeom prst="rect">
             <a:avLst/>
@@ -2436,35 +2498,35 @@
           <a:p>
             <a:pPr lvl="0"/>
             <a:r>
-              <a:rPr lang="en-US" smtClean="0"/>
-              <a:t>Click to edit Master text styles</a:t>
+              <a:rPr lang="en-US"/>
+              <a:t>Edit Master text styles</a:t>
             </a:r>
           </a:p>
           <a:p>
             <a:pPr lvl="1"/>
             <a:r>
-              <a:rPr lang="en-US" smtClean="0"/>
+              <a:rPr lang="en-US"/>
               <a:t>Second level</a:t>
             </a:r>
           </a:p>
           <a:p>
             <a:pPr lvl="2"/>
             <a:r>
-              <a:rPr lang="en-US" smtClean="0"/>
+              <a:rPr lang="en-US"/>
               <a:t>Third level</a:t>
             </a:r>
           </a:p>
           <a:p>
             <a:pPr lvl="3"/>
             <a:r>
-              <a:rPr lang="en-US" smtClean="0"/>
+              <a:rPr lang="en-US"/>
               <a:t>Fourth level</a:t>
             </a:r>
           </a:p>
           <a:p>
             <a:pPr lvl="4"/>
             <a:r>
-              <a:rPr lang="en-US" smtClean="0"/>
+              <a:rPr lang="en-US"/>
               <a:t>Fifth level</a:t>
             </a:r>
             <a:endParaRPr lang="en-US" dirty="0"/>
@@ -2483,8 +2545,8 @@
         </p:nvSpPr>
         <p:spPr>
           <a:xfrm>
-            <a:off x="440055" y="6356352"/>
-            <a:ext cx="1440180" cy="365125"/>
+            <a:off x="880110" y="6356351"/>
+            <a:ext cx="2880360" cy="365125"/>
           </a:xfrm>
           <a:prstGeom prst="rect">
             <a:avLst/>
@@ -2494,7 +2556,7 @@
           <a:bodyPr vert="horz" lIns="91440" tIns="45720" rIns="91440" bIns="45720" rtlCol="0" anchor="ctr"/>
           <a:lstStyle>
             <a:lvl1pPr algn="l">
-              <a:defRPr sz="840">
+              <a:defRPr sz="1200">
                 <a:solidFill>
                   <a:schemeClr val="tx1">
                     <a:tint val="75000"/>
@@ -2506,7 +2568,7 @@
           <a:p>
             <a:fld id="{C4198793-6D4C-E343-B515-791BB472C93A}" type="datetimeFigureOut">
               <a:rPr lang="en-US" smtClean="0"/>
-              <a:t>1/4/18</a:t>
+              <a:t>5/1/18</a:t>
             </a:fld>
             <a:endParaRPr lang="en-US"/>
           </a:p>
@@ -2524,8 +2586,8 @@
         </p:nvSpPr>
         <p:spPr>
           <a:xfrm>
-            <a:off x="2120265" y="6356352"/>
-            <a:ext cx="2160270" cy="365125"/>
+            <a:off x="4240530" y="6356351"/>
+            <a:ext cx="4320540" cy="365125"/>
           </a:xfrm>
           <a:prstGeom prst="rect">
             <a:avLst/>
@@ -2535,7 +2597,7 @@
           <a:bodyPr vert="horz" lIns="91440" tIns="45720" rIns="91440" bIns="45720" rtlCol="0" anchor="ctr"/>
           <a:lstStyle>
             <a:lvl1pPr algn="ctr">
-              <a:defRPr sz="840">
+              <a:defRPr sz="1200">
                 <a:solidFill>
                   <a:schemeClr val="tx1">
                     <a:tint val="75000"/>
@@ -2561,8 +2623,8 @@
         </p:nvSpPr>
         <p:spPr>
           <a:xfrm>
-            <a:off x="4520565" y="6356352"/>
-            <a:ext cx="1440180" cy="365125"/>
+            <a:off x="9041130" y="6356351"/>
+            <a:ext cx="2880360" cy="365125"/>
           </a:xfrm>
           <a:prstGeom prst="rect">
             <a:avLst/>
@@ -2572,7 +2634,7 @@
           <a:bodyPr vert="horz" lIns="91440" tIns="45720" rIns="91440" bIns="45720" rtlCol="0" anchor="ctr"/>
           <a:lstStyle>
             <a:lvl1pPr algn="r">
-              <a:defRPr sz="840">
+              <a:defRPr sz="1200">
                 <a:solidFill>
                   <a:schemeClr val="tx1">
                     <a:tint val="75000"/>
@@ -2593,27 +2655,27 @@
     </p:spTree>
     <p:extLst>
       <p:ext uri="{BB962C8B-B14F-4D97-AF65-F5344CB8AC3E}">
-        <p14:creationId xmlns:p14="http://schemas.microsoft.com/office/powerpoint/2010/main" val="631365248"/>
+        <p14:creationId xmlns:p14="http://schemas.microsoft.com/office/powerpoint/2010/main" val="1846868160"/>
       </p:ext>
     </p:extLst>
   </p:cSld>
   <p:clrMap bg1="lt1" tx1="dk1" bg2="lt2" tx2="dk2" accent1="accent1" accent2="accent2" accent3="accent3" accent4="accent4" accent5="accent5" accent6="accent6" hlink="hlink" folHlink="folHlink"/>
   <p:sldLayoutIdLst>
-    <p:sldLayoutId id="2147483673" r:id="rId1"/>
-    <p:sldLayoutId id="2147483674" r:id="rId2"/>
-    <p:sldLayoutId id="2147483675" r:id="rId3"/>
-    <p:sldLayoutId id="2147483676" r:id="rId4"/>
-    <p:sldLayoutId id="2147483677" r:id="rId5"/>
-    <p:sldLayoutId id="2147483678" r:id="rId6"/>
-    <p:sldLayoutId id="2147483679" r:id="rId7"/>
-    <p:sldLayoutId id="2147483680" r:id="rId8"/>
-    <p:sldLayoutId id="2147483681" r:id="rId9"/>
-    <p:sldLayoutId id="2147483682" r:id="rId10"/>
-    <p:sldLayoutId id="2147483683" r:id="rId11"/>
+    <p:sldLayoutId id="2147483685" r:id="rId1"/>
+    <p:sldLayoutId id="2147483686" r:id="rId2"/>
+    <p:sldLayoutId id="2147483687" r:id="rId3"/>
+    <p:sldLayoutId id="2147483688" r:id="rId4"/>
+    <p:sldLayoutId id="2147483689" r:id="rId5"/>
+    <p:sldLayoutId id="2147483690" r:id="rId6"/>
+    <p:sldLayoutId id="2147483691" r:id="rId7"/>
+    <p:sldLayoutId id="2147483692" r:id="rId8"/>
+    <p:sldLayoutId id="2147483693" r:id="rId9"/>
+    <p:sldLayoutId id="2147483694" r:id="rId10"/>
+    <p:sldLayoutId id="2147483695" r:id="rId11"/>
   </p:sldLayoutIdLst>
   <p:txStyles>
     <p:titleStyle>
-      <a:lvl1pPr algn="l" defTabSz="640080" rtl="0" eaLnBrk="1" latinLnBrk="0" hangingPunct="1">
+      <a:lvl1pPr algn="l" defTabSz="914400" rtl="0" eaLnBrk="1" latinLnBrk="0" hangingPunct="1">
         <a:lnSpc>
           <a:spcPct val="90000"/>
         </a:lnSpc>
@@ -2621,7 +2683,7 @@
           <a:spcPct val="0"/>
         </a:spcBef>
         <a:buNone/>
-        <a:defRPr sz="3080" kern="1200">
+        <a:defRPr sz="4400" kern="1200">
           <a:solidFill>
             <a:schemeClr val="tx1"/>
           </a:solidFill>
@@ -2632,16 +2694,16 @@
       </a:lvl1pPr>
     </p:titleStyle>
     <p:bodyStyle>
-      <a:lvl1pPr marL="160020" indent="-160020" algn="l" defTabSz="640080" rtl="0" eaLnBrk="1" latinLnBrk="0" hangingPunct="1">
+      <a:lvl1pPr marL="228600" indent="-228600" algn="l" defTabSz="914400" rtl="0" eaLnBrk="1" latinLnBrk="0" hangingPunct="1">
         <a:lnSpc>
           <a:spcPct val="90000"/>
         </a:lnSpc>
         <a:spcBef>
-          <a:spcPts val="700"/>
+          <a:spcPts val="1000"/>
         </a:spcBef>
         <a:buFont typeface="Arial" panose="020B0604020202020204" pitchFamily="34" charset="0"/>
         <a:buChar char="•"/>
-        <a:defRPr sz="1960" kern="1200">
+        <a:defRPr sz="2800" kern="1200">
           <a:solidFill>
             <a:schemeClr val="tx1"/>
           </a:solidFill>
@@ -2650,16 +2712,16 @@
           <a:cs typeface="+mn-cs"/>
         </a:defRPr>
       </a:lvl1pPr>
-      <a:lvl2pPr marL="480060" indent="-160020" algn="l" defTabSz="640080" rtl="0" eaLnBrk="1" latinLnBrk="0" hangingPunct="1">
+      <a:lvl2pPr marL="685800" indent="-228600" algn="l" defTabSz="914400" rtl="0" eaLnBrk="1" latinLnBrk="0" hangingPunct="1">
         <a:lnSpc>
           <a:spcPct val="90000"/>
         </a:lnSpc>
         <a:spcBef>
-          <a:spcPts val="350"/>
+          <a:spcPts val="500"/>
         </a:spcBef>
         <a:buFont typeface="Arial" panose="020B0604020202020204" pitchFamily="34" charset="0"/>
         <a:buChar char="•"/>
-        <a:defRPr sz="1680" kern="1200">
+        <a:defRPr sz="2400" kern="1200">
           <a:solidFill>
             <a:schemeClr val="tx1"/>
           </a:solidFill>
@@ -2668,16 +2730,16 @@
           <a:cs typeface="+mn-cs"/>
         </a:defRPr>
       </a:lvl2pPr>
-      <a:lvl3pPr marL="800100" indent="-160020" algn="l" defTabSz="640080" rtl="0" eaLnBrk="1" latinLnBrk="0" hangingPunct="1">
+      <a:lvl3pPr marL="1143000" indent="-228600" algn="l" defTabSz="914400" rtl="0" eaLnBrk="1" latinLnBrk="0" hangingPunct="1">
         <a:lnSpc>
           <a:spcPct val="90000"/>
         </a:lnSpc>
         <a:spcBef>
-          <a:spcPts val="350"/>
+          <a:spcPts val="500"/>
         </a:spcBef>
         <a:buFont typeface="Arial" panose="020B0604020202020204" pitchFamily="34" charset="0"/>
         <a:buChar char="•"/>
-        <a:defRPr sz="1400" kern="1200">
+        <a:defRPr sz="2000" kern="1200">
           <a:solidFill>
             <a:schemeClr val="tx1"/>
           </a:solidFill>
@@ -2686,16 +2748,16 @@
           <a:cs typeface="+mn-cs"/>
         </a:defRPr>
       </a:lvl3pPr>
-      <a:lvl4pPr marL="1120140" indent="-160020" algn="l" defTabSz="640080" rtl="0" eaLnBrk="1" latinLnBrk="0" hangingPunct="1">
+      <a:lvl4pPr marL="1600200" indent="-228600" algn="l" defTabSz="914400" rtl="0" eaLnBrk="1" latinLnBrk="0" hangingPunct="1">
         <a:lnSpc>
           <a:spcPct val="90000"/>
         </a:lnSpc>
         <a:spcBef>
-          <a:spcPts val="350"/>
+          <a:spcPts val="500"/>
         </a:spcBef>
         <a:buFont typeface="Arial" panose="020B0604020202020204" pitchFamily="34" charset="0"/>
         <a:buChar char="•"/>
-        <a:defRPr sz="1260" kern="1200">
+        <a:defRPr sz="1800" kern="1200">
           <a:solidFill>
             <a:schemeClr val="tx1"/>
           </a:solidFill>
@@ -2704,16 +2766,16 @@
           <a:cs typeface="+mn-cs"/>
         </a:defRPr>
       </a:lvl4pPr>
-      <a:lvl5pPr marL="1440180" indent="-160020" algn="l" defTabSz="640080" rtl="0" eaLnBrk="1" latinLnBrk="0" hangingPunct="1">
+      <a:lvl5pPr marL="2057400" indent="-228600" algn="l" defTabSz="914400" rtl="0" eaLnBrk="1" latinLnBrk="0" hangingPunct="1">
         <a:lnSpc>
           <a:spcPct val="90000"/>
         </a:lnSpc>
         <a:spcBef>
-          <a:spcPts val="350"/>
+          <a:spcPts val="500"/>
         </a:spcBef>
         <a:buFont typeface="Arial" panose="020B0604020202020204" pitchFamily="34" charset="0"/>
         <a:buChar char="•"/>
-        <a:defRPr sz="1260" kern="1200">
+        <a:defRPr sz="1800" kern="1200">
           <a:solidFill>
             <a:schemeClr val="tx1"/>
           </a:solidFill>
@@ -2722,16 +2784,16 @@
           <a:cs typeface="+mn-cs"/>
         </a:defRPr>
       </a:lvl5pPr>
-      <a:lvl6pPr marL="1760220" indent="-160020" algn="l" defTabSz="640080" rtl="0" eaLnBrk="1" latinLnBrk="0" hangingPunct="1">
+      <a:lvl6pPr marL="2514600" indent="-228600" algn="l" defTabSz="914400" rtl="0" eaLnBrk="1" latinLnBrk="0" hangingPunct="1">
         <a:lnSpc>
           <a:spcPct val="90000"/>
         </a:lnSpc>
         <a:spcBef>
-          <a:spcPts val="350"/>
+          <a:spcPts val="500"/>
         </a:spcBef>
         <a:buFont typeface="Arial" panose="020B0604020202020204" pitchFamily="34" charset="0"/>
         <a:buChar char="•"/>
-        <a:defRPr sz="1260" kern="1200">
+        <a:defRPr sz="1800" kern="1200">
           <a:solidFill>
             <a:schemeClr val="tx1"/>
           </a:solidFill>
@@ -2740,16 +2802,16 @@
           <a:cs typeface="+mn-cs"/>
         </a:defRPr>
       </a:lvl6pPr>
-      <a:lvl7pPr marL="2080260" indent="-160020" algn="l" defTabSz="640080" rtl="0" eaLnBrk="1" latinLnBrk="0" hangingPunct="1">
+      <a:lvl7pPr marL="2971800" indent="-228600" algn="l" defTabSz="914400" rtl="0" eaLnBrk="1" latinLnBrk="0" hangingPunct="1">
         <a:lnSpc>
           <a:spcPct val="90000"/>
         </a:lnSpc>
         <a:spcBef>
-          <a:spcPts val="350"/>
+          <a:spcPts val="500"/>
         </a:spcBef>
         <a:buFont typeface="Arial" panose="020B0604020202020204" pitchFamily="34" charset="0"/>
         <a:buChar char="•"/>
-        <a:defRPr sz="1260" kern="1200">
+        <a:defRPr sz="1800" kern="1200">
           <a:solidFill>
             <a:schemeClr val="tx1"/>
           </a:solidFill>
@@ -2758,16 +2820,16 @@
           <a:cs typeface="+mn-cs"/>
         </a:defRPr>
       </a:lvl7pPr>
-      <a:lvl8pPr marL="2400300" indent="-160020" algn="l" defTabSz="640080" rtl="0" eaLnBrk="1" latinLnBrk="0" hangingPunct="1">
+      <a:lvl8pPr marL="3429000" indent="-228600" algn="l" defTabSz="914400" rtl="0" eaLnBrk="1" latinLnBrk="0" hangingPunct="1">
         <a:lnSpc>
           <a:spcPct val="90000"/>
         </a:lnSpc>
         <a:spcBef>
-          <a:spcPts val="350"/>
+          <a:spcPts val="500"/>
         </a:spcBef>
         <a:buFont typeface="Arial" panose="020B0604020202020204" pitchFamily="34" charset="0"/>
         <a:buChar char="•"/>
-        <a:defRPr sz="1260" kern="1200">
+        <a:defRPr sz="1800" kern="1200">
           <a:solidFill>
             <a:schemeClr val="tx1"/>
           </a:solidFill>
@@ -2776,16 +2838,16 @@
           <a:cs typeface="+mn-cs"/>
         </a:defRPr>
       </a:lvl8pPr>
-      <a:lvl9pPr marL="2720340" indent="-160020" algn="l" defTabSz="640080" rtl="0" eaLnBrk="1" latinLnBrk="0" hangingPunct="1">
+      <a:lvl9pPr marL="3886200" indent="-228600" algn="l" defTabSz="914400" rtl="0" eaLnBrk="1" latinLnBrk="0" hangingPunct="1">
         <a:lnSpc>
           <a:spcPct val="90000"/>
         </a:lnSpc>
         <a:spcBef>
-          <a:spcPts val="350"/>
+          <a:spcPts val="500"/>
         </a:spcBef>
         <a:buFont typeface="Arial" panose="020B0604020202020204" pitchFamily="34" charset="0"/>
         <a:buChar char="•"/>
-        <a:defRPr sz="1260" kern="1200">
+        <a:defRPr sz="1800" kern="1200">
           <a:solidFill>
             <a:schemeClr val="tx1"/>
           </a:solidFill>
@@ -2799,8 +2861,8 @@
       <a:defPPr>
         <a:defRPr lang="en-US"/>
       </a:defPPr>
-      <a:lvl1pPr marL="0" algn="l" defTabSz="640080" rtl="0" eaLnBrk="1" latinLnBrk="0" hangingPunct="1">
-        <a:defRPr sz="1260" kern="1200">
+      <a:lvl1pPr marL="0" algn="l" defTabSz="914400" rtl="0" eaLnBrk="1" latinLnBrk="0" hangingPunct="1">
+        <a:defRPr sz="1800" kern="1200">
           <a:solidFill>
             <a:schemeClr val="tx1"/>
           </a:solidFill>
@@ -2809,8 +2871,8 @@
           <a:cs typeface="+mn-cs"/>
         </a:defRPr>
       </a:lvl1pPr>
-      <a:lvl2pPr marL="320040" algn="l" defTabSz="640080" rtl="0" eaLnBrk="1" latinLnBrk="0" hangingPunct="1">
-        <a:defRPr sz="1260" kern="1200">
+      <a:lvl2pPr marL="457200" algn="l" defTabSz="914400" rtl="0" eaLnBrk="1" latinLnBrk="0" hangingPunct="1">
+        <a:defRPr sz="1800" kern="1200">
           <a:solidFill>
             <a:schemeClr val="tx1"/>
           </a:solidFill>
@@ -2819,8 +2881,8 @@
           <a:cs typeface="+mn-cs"/>
         </a:defRPr>
       </a:lvl2pPr>
-      <a:lvl3pPr marL="640080" algn="l" defTabSz="640080" rtl="0" eaLnBrk="1" latinLnBrk="0" hangingPunct="1">
-        <a:defRPr sz="1260" kern="1200">
+      <a:lvl3pPr marL="914400" algn="l" defTabSz="914400" rtl="0" eaLnBrk="1" latinLnBrk="0" hangingPunct="1">
+        <a:defRPr sz="1800" kern="1200">
           <a:solidFill>
             <a:schemeClr val="tx1"/>
           </a:solidFill>
@@ -2829,8 +2891,8 @@
           <a:cs typeface="+mn-cs"/>
         </a:defRPr>
       </a:lvl3pPr>
-      <a:lvl4pPr marL="960120" algn="l" defTabSz="640080" rtl="0" eaLnBrk="1" latinLnBrk="0" hangingPunct="1">
-        <a:defRPr sz="1260" kern="1200">
+      <a:lvl4pPr marL="1371600" algn="l" defTabSz="914400" rtl="0" eaLnBrk="1" latinLnBrk="0" hangingPunct="1">
+        <a:defRPr sz="1800" kern="1200">
           <a:solidFill>
             <a:schemeClr val="tx1"/>
           </a:solidFill>
@@ -2839,8 +2901,8 @@
           <a:cs typeface="+mn-cs"/>
         </a:defRPr>
       </a:lvl4pPr>
-      <a:lvl5pPr marL="1280160" algn="l" defTabSz="640080" rtl="0" eaLnBrk="1" latinLnBrk="0" hangingPunct="1">
-        <a:defRPr sz="1260" kern="1200">
+      <a:lvl5pPr marL="1828800" algn="l" defTabSz="914400" rtl="0" eaLnBrk="1" latinLnBrk="0" hangingPunct="1">
+        <a:defRPr sz="1800" kern="1200">
           <a:solidFill>
             <a:schemeClr val="tx1"/>
           </a:solidFill>
@@ -2849,8 +2911,8 @@
           <a:cs typeface="+mn-cs"/>
         </a:defRPr>
       </a:lvl5pPr>
-      <a:lvl6pPr marL="1600200" algn="l" defTabSz="640080" rtl="0" eaLnBrk="1" latinLnBrk="0" hangingPunct="1">
-        <a:defRPr sz="1260" kern="1200">
+      <a:lvl6pPr marL="2286000" algn="l" defTabSz="914400" rtl="0" eaLnBrk="1" latinLnBrk="0" hangingPunct="1">
+        <a:defRPr sz="1800" kern="1200">
           <a:solidFill>
             <a:schemeClr val="tx1"/>
           </a:solidFill>
@@ -2859,8 +2921,8 @@
           <a:cs typeface="+mn-cs"/>
         </a:defRPr>
       </a:lvl6pPr>
-      <a:lvl7pPr marL="1920240" algn="l" defTabSz="640080" rtl="0" eaLnBrk="1" latinLnBrk="0" hangingPunct="1">
-        <a:defRPr sz="1260" kern="1200">
+      <a:lvl7pPr marL="2743200" algn="l" defTabSz="914400" rtl="0" eaLnBrk="1" latinLnBrk="0" hangingPunct="1">
+        <a:defRPr sz="1800" kern="1200">
           <a:solidFill>
             <a:schemeClr val="tx1"/>
           </a:solidFill>
@@ -2869,8 +2931,8 @@
           <a:cs typeface="+mn-cs"/>
         </a:defRPr>
       </a:lvl7pPr>
-      <a:lvl8pPr marL="2240280" algn="l" defTabSz="640080" rtl="0" eaLnBrk="1" latinLnBrk="0" hangingPunct="1">
-        <a:defRPr sz="1260" kern="1200">
+      <a:lvl8pPr marL="3200400" algn="l" defTabSz="914400" rtl="0" eaLnBrk="1" latinLnBrk="0" hangingPunct="1">
+        <a:defRPr sz="1800" kern="1200">
           <a:solidFill>
             <a:schemeClr val="tx1"/>
           </a:solidFill>
@@ -2879,8 +2941,8 @@
           <a:cs typeface="+mn-cs"/>
         </a:defRPr>
       </a:lvl8pPr>
-      <a:lvl9pPr marL="2560320" algn="l" defTabSz="640080" rtl="0" eaLnBrk="1" latinLnBrk="0" hangingPunct="1">
-        <a:defRPr sz="1260" kern="1200">
+      <a:lvl9pPr marL="3657600" algn="l" defTabSz="914400" rtl="0" eaLnBrk="1" latinLnBrk="0" hangingPunct="1">
+        <a:defRPr sz="1800" kern="1200">
           <a:solidFill>
             <a:schemeClr val="tx1"/>
           </a:solidFill>
@@ -2913,7 +2975,13 @@
       </p:grpSpPr>
       <p:sp>
         <p:nvSpPr>
-          <p:cNvPr id="429" name="Can 428"/>
+          <p:cNvPr id="20" name="Can 19">
+            <a:extLst>
+              <a:ext uri="{FF2B5EF4-FFF2-40B4-BE49-F238E27FC236}">
+                <a16:creationId xmlns:a16="http://schemas.microsoft.com/office/drawing/2014/main" id="{723F9FF7-0187-464D-817E-09BE17768C13}"/>
+              </a:ext>
+            </a:extLst>
+          </p:cNvPr>
           <p:cNvSpPr/>
           <p:nvPr/>
         </p:nvSpPr>
@@ -2965,7 +3033,13 @@
       </p:sp>
       <p:sp>
         <p:nvSpPr>
-          <p:cNvPr id="430" name="Oval 429"/>
+          <p:cNvPr id="21" name="Oval 20">
+            <a:extLst>
+              <a:ext uri="{FF2B5EF4-FFF2-40B4-BE49-F238E27FC236}">
+                <a16:creationId xmlns:a16="http://schemas.microsoft.com/office/drawing/2014/main" id="{43DC0F17-9429-5B47-97AC-7D9E83D4FC0B}"/>
+              </a:ext>
+            </a:extLst>
+          </p:cNvPr>
           <p:cNvSpPr/>
           <p:nvPr/>
         </p:nvSpPr>
@@ -3015,7 +3089,13 @@
       </p:sp>
       <p:sp>
         <p:nvSpPr>
-          <p:cNvPr id="431" name="Oval 430"/>
+          <p:cNvPr id="22" name="Oval 21">
+            <a:extLst>
+              <a:ext uri="{FF2B5EF4-FFF2-40B4-BE49-F238E27FC236}">
+                <a16:creationId xmlns:a16="http://schemas.microsoft.com/office/drawing/2014/main" id="{0A04F194-3E4F-974B-A12D-3929FABA696C}"/>
+              </a:ext>
+            </a:extLst>
+          </p:cNvPr>
           <p:cNvSpPr/>
           <p:nvPr/>
         </p:nvSpPr>
@@ -3065,7 +3145,13 @@
       </p:sp>
       <p:sp>
         <p:nvSpPr>
-          <p:cNvPr id="432" name="Oval 431"/>
+          <p:cNvPr id="23" name="Oval 22">
+            <a:extLst>
+              <a:ext uri="{FF2B5EF4-FFF2-40B4-BE49-F238E27FC236}">
+                <a16:creationId xmlns:a16="http://schemas.microsoft.com/office/drawing/2014/main" id="{206E6B3A-21FA-1546-8764-EBC322D2ABD1}"/>
+              </a:ext>
+            </a:extLst>
+          </p:cNvPr>
           <p:cNvSpPr/>
           <p:nvPr/>
         </p:nvSpPr>
@@ -3113,7 +3199,13 @@
       </p:sp>
       <p:sp>
         <p:nvSpPr>
-          <p:cNvPr id="433" name="Oval 432"/>
+          <p:cNvPr id="24" name="Oval 23">
+            <a:extLst>
+              <a:ext uri="{FF2B5EF4-FFF2-40B4-BE49-F238E27FC236}">
+                <a16:creationId xmlns:a16="http://schemas.microsoft.com/office/drawing/2014/main" id="{230A6958-B5BE-6F43-870C-6043C208C8A5}"/>
+              </a:ext>
+            </a:extLst>
+          </p:cNvPr>
           <p:cNvSpPr/>
           <p:nvPr/>
         </p:nvSpPr>
@@ -3156,9 +3248,15 @@
       </p:sp>
       <p:cxnSp>
         <p:nvCxnSpPr>
-          <p:cNvPr id="434" name="Straight Arrow Connector 433"/>
+          <p:cNvPr id="25" name="Straight Arrow Connector 24">
+            <a:extLst>
+              <a:ext uri="{FF2B5EF4-FFF2-40B4-BE49-F238E27FC236}">
+                <a16:creationId xmlns:a16="http://schemas.microsoft.com/office/drawing/2014/main" id="{10F64ED0-8E35-B64C-A1DF-43CE037CF9C2}"/>
+              </a:ext>
+            </a:extLst>
+          </p:cNvPr>
           <p:cNvCxnSpPr>
-            <a:endCxn id="435" idx="6"/>
+            <a:endCxn id="26" idx="6"/>
           </p:cNvCxnSpPr>
           <p:nvPr/>
         </p:nvCxnSpPr>
@@ -3194,7 +3292,13 @@
       </p:cxnSp>
       <p:cxnSp>
         <p:nvCxnSpPr>
-          <p:cNvPr id="435" name="Straight Arrow Connector 434"/>
+          <p:cNvPr id="26" name="Straight Arrow Connector 25">
+            <a:extLst>
+              <a:ext uri="{FF2B5EF4-FFF2-40B4-BE49-F238E27FC236}">
+                <a16:creationId xmlns:a16="http://schemas.microsoft.com/office/drawing/2014/main" id="{FCEC5151-DEB3-D940-BFDF-E5BC70AD9350}"/>
+              </a:ext>
+            </a:extLst>
+          </p:cNvPr>
           <p:cNvCxnSpPr/>
           <p:nvPr/>
         </p:nvCxnSpPr>
@@ -3230,7 +3334,13 @@
       </p:cxnSp>
       <p:cxnSp>
         <p:nvCxnSpPr>
-          <p:cNvPr id="437" name="Straight Arrow Connector 436"/>
+          <p:cNvPr id="27" name="Straight Arrow Connector 26">
+            <a:extLst>
+              <a:ext uri="{FF2B5EF4-FFF2-40B4-BE49-F238E27FC236}">
+                <a16:creationId xmlns:a16="http://schemas.microsoft.com/office/drawing/2014/main" id="{7768928A-5B61-7842-A155-CAB0F29EDB4E}"/>
+              </a:ext>
+            </a:extLst>
+          </p:cNvPr>
           <p:cNvCxnSpPr/>
           <p:nvPr/>
         </p:nvCxnSpPr>
@@ -3266,7 +3376,13 @@
       </p:cxnSp>
       <p:cxnSp>
         <p:nvCxnSpPr>
-          <p:cNvPr id="438" name="Straight Connector 437"/>
+          <p:cNvPr id="28" name="Straight Connector 27">
+            <a:extLst>
+              <a:ext uri="{FF2B5EF4-FFF2-40B4-BE49-F238E27FC236}">
+                <a16:creationId xmlns:a16="http://schemas.microsoft.com/office/drawing/2014/main" id="{0C95635C-6CDC-C548-97CB-0F25AFCF47C1}"/>
+              </a:ext>
+            </a:extLst>
+          </p:cNvPr>
           <p:cNvCxnSpPr/>
           <p:nvPr/>
         </p:nvCxnSpPr>
@@ -3304,14 +3420,20 @@
       </p:cxnSp>
       <p:sp>
         <p:nvSpPr>
-          <p:cNvPr id="439" name="TextBox 438"/>
+          <p:cNvPr id="29" name="TextBox 28">
+            <a:extLst>
+              <a:ext uri="{FF2B5EF4-FFF2-40B4-BE49-F238E27FC236}">
+                <a16:creationId xmlns:a16="http://schemas.microsoft.com/office/drawing/2014/main" id="{C86A8D80-7DBA-3345-A1C6-80E0A5EB7CC5}"/>
+              </a:ext>
+            </a:extLst>
+          </p:cNvPr>
           <p:cNvSpPr txBox="1"/>
           <p:nvPr/>
         </p:nvSpPr>
         <p:spPr>
           <a:xfrm>
-            <a:off x="3298727" y="-83083"/>
-            <a:ext cx="263813" cy="369332"/>
+            <a:off x="3298727" y="-112900"/>
+            <a:ext cx="263813" cy="461665"/>
           </a:xfrm>
           <a:prstGeom prst="rect">
             <a:avLst/>
@@ -3325,14 +3447,14 @@
           <a:lstStyle/>
           <a:p>
             <a:r>
-              <a:rPr lang="en-US" i="1" smtClean="0">
+              <a:rPr lang="en-US" sz="2400" i="1" dirty="0">
                 <a:latin typeface="Times" charset="0"/>
                 <a:ea typeface="Times" charset="0"/>
                 <a:cs typeface="Times" charset="0"/>
               </a:rPr>
               <a:t>z</a:t>
             </a:r>
-            <a:endParaRPr lang="en-US" dirty="0">
+            <a:endParaRPr lang="en-US" sz="2400" dirty="0">
               <a:latin typeface="Times" charset="0"/>
               <a:ea typeface="Times" charset="0"/>
               <a:cs typeface="Times" charset="0"/>
@@ -3342,7 +3464,13 @@
       </p:sp>
       <p:cxnSp>
         <p:nvCxnSpPr>
-          <p:cNvPr id="440" name="Straight Connector 439"/>
+          <p:cNvPr id="30" name="Straight Connector 29">
+            <a:extLst>
+              <a:ext uri="{FF2B5EF4-FFF2-40B4-BE49-F238E27FC236}">
+                <a16:creationId xmlns:a16="http://schemas.microsoft.com/office/drawing/2014/main" id="{51E82BF9-DB05-9B42-BDA6-5CCA8FFE6711}"/>
+              </a:ext>
+            </a:extLst>
+          </p:cNvPr>
           <p:cNvCxnSpPr/>
           <p:nvPr/>
         </p:nvCxnSpPr>
@@ -3380,7 +3508,13 @@
       </p:cxnSp>
       <p:cxnSp>
         <p:nvCxnSpPr>
-          <p:cNvPr id="441" name="Straight Connector 440"/>
+          <p:cNvPr id="31" name="Straight Connector 30">
+            <a:extLst>
+              <a:ext uri="{FF2B5EF4-FFF2-40B4-BE49-F238E27FC236}">
+                <a16:creationId xmlns:a16="http://schemas.microsoft.com/office/drawing/2014/main" id="{E7E4FC1A-13A4-F446-9F3D-99B6DE1159AB}"/>
+              </a:ext>
+            </a:extLst>
+          </p:cNvPr>
           <p:cNvCxnSpPr/>
           <p:nvPr/>
         </p:nvCxnSpPr>
@@ -3418,14 +3552,20 @@
       </p:cxnSp>
       <p:sp>
         <p:nvSpPr>
-          <p:cNvPr id="442" name="TextBox 441"/>
+          <p:cNvPr id="32" name="TextBox 31">
+            <a:extLst>
+              <a:ext uri="{FF2B5EF4-FFF2-40B4-BE49-F238E27FC236}">
+                <a16:creationId xmlns:a16="http://schemas.microsoft.com/office/drawing/2014/main" id="{87C90C60-13B0-254F-9168-39609D9C6B4D}"/>
+              </a:ext>
+            </a:extLst>
+          </p:cNvPr>
           <p:cNvSpPr txBox="1"/>
           <p:nvPr/>
         </p:nvSpPr>
         <p:spPr>
           <a:xfrm>
             <a:off x="2515916" y="6240773"/>
-            <a:ext cx="263813" cy="369332"/>
+            <a:ext cx="263813" cy="461665"/>
           </a:xfrm>
           <a:prstGeom prst="rect">
             <a:avLst/>
@@ -3439,14 +3579,14 @@
           <a:lstStyle/>
           <a:p>
             <a:r>
-              <a:rPr lang="en-US" i="1" dirty="0">
+              <a:rPr lang="en-US" sz="2400" i="1" dirty="0">
                 <a:latin typeface="Times" charset="0"/>
                 <a:ea typeface="Times" charset="0"/>
                 <a:cs typeface="Times" charset="0"/>
               </a:rPr>
               <a:t>x</a:t>
             </a:r>
-            <a:endParaRPr lang="en-US" dirty="0">
+            <a:endParaRPr lang="en-US" sz="2400" dirty="0">
               <a:latin typeface="Times" charset="0"/>
               <a:ea typeface="Times" charset="0"/>
               <a:cs typeface="Times" charset="0"/>
@@ -3456,14 +3596,20 @@
       </p:sp>
       <p:sp>
         <p:nvSpPr>
-          <p:cNvPr id="443" name="TextBox 442"/>
+          <p:cNvPr id="33" name="TextBox 32">
+            <a:extLst>
+              <a:ext uri="{FF2B5EF4-FFF2-40B4-BE49-F238E27FC236}">
+                <a16:creationId xmlns:a16="http://schemas.microsoft.com/office/drawing/2014/main" id="{1F867A9A-4919-3549-8B8E-D014ADE18FAD}"/>
+              </a:ext>
+            </a:extLst>
+          </p:cNvPr>
           <p:cNvSpPr txBox="1"/>
           <p:nvPr/>
         </p:nvSpPr>
         <p:spPr>
           <a:xfrm>
             <a:off x="4516473" y="5513933"/>
-            <a:ext cx="263813" cy="369332"/>
+            <a:ext cx="263813" cy="461665"/>
           </a:xfrm>
           <a:prstGeom prst="rect">
             <a:avLst/>
@@ -3477,14 +3623,14 @@
           <a:lstStyle/>
           <a:p>
             <a:r>
-              <a:rPr lang="en-US" i="1" dirty="0">
+              <a:rPr lang="en-US" sz="2400" i="1" dirty="0">
                 <a:latin typeface="Times" charset="0"/>
                 <a:ea typeface="Times" charset="0"/>
                 <a:cs typeface="Times" charset="0"/>
               </a:rPr>
               <a:t>y</a:t>
             </a:r>
-            <a:endParaRPr lang="en-US" dirty="0">
+            <a:endParaRPr lang="en-US" sz="2400" dirty="0">
               <a:latin typeface="Times" charset="0"/>
               <a:ea typeface="Times" charset="0"/>
               <a:cs typeface="Times" charset="0"/>
@@ -3494,7 +3640,13 @@
       </p:sp>
       <p:cxnSp>
         <p:nvCxnSpPr>
-          <p:cNvPr id="444" name="Straight Arrow Connector 443"/>
+          <p:cNvPr id="34" name="Straight Arrow Connector 33">
+            <a:extLst>
+              <a:ext uri="{FF2B5EF4-FFF2-40B4-BE49-F238E27FC236}">
+                <a16:creationId xmlns:a16="http://schemas.microsoft.com/office/drawing/2014/main" id="{389CEB28-0480-4143-B0F3-428817ACDD58}"/>
+              </a:ext>
+            </a:extLst>
+          </p:cNvPr>
           <p:cNvCxnSpPr/>
           <p:nvPr/>
         </p:nvCxnSpPr>
@@ -3530,7 +3682,13 @@
       </p:cxnSp>
       <p:sp>
         <p:nvSpPr>
-          <p:cNvPr id="448" name="Oval 447"/>
+          <p:cNvPr id="35" name="Oval 34">
+            <a:extLst>
+              <a:ext uri="{FF2B5EF4-FFF2-40B4-BE49-F238E27FC236}">
+                <a16:creationId xmlns:a16="http://schemas.microsoft.com/office/drawing/2014/main" id="{83CE6ABA-EAE4-7D4D-A91F-01E496802DE0}"/>
+              </a:ext>
+            </a:extLst>
+          </p:cNvPr>
           <p:cNvSpPr/>
           <p:nvPr/>
         </p:nvSpPr>
@@ -3573,7 +3731,13 @@
       </p:sp>
       <p:sp>
         <p:nvSpPr>
-          <p:cNvPr id="451" name="Oval 450"/>
+          <p:cNvPr id="36" name="Oval 35">
+            <a:extLst>
+              <a:ext uri="{FF2B5EF4-FFF2-40B4-BE49-F238E27FC236}">
+                <a16:creationId xmlns:a16="http://schemas.microsoft.com/office/drawing/2014/main" id="{742EA4C6-14A6-A243-A6CC-0A8E1C97C983}"/>
+              </a:ext>
+            </a:extLst>
+          </p:cNvPr>
           <p:cNvSpPr/>
           <p:nvPr/>
         </p:nvSpPr>
@@ -3618,7 +3782,13 @@
       </p:sp>
       <p:sp>
         <p:nvSpPr>
-          <p:cNvPr id="458" name="Oval 457"/>
+          <p:cNvPr id="37" name="Oval 36">
+            <a:extLst>
+              <a:ext uri="{FF2B5EF4-FFF2-40B4-BE49-F238E27FC236}">
+                <a16:creationId xmlns:a16="http://schemas.microsoft.com/office/drawing/2014/main" id="{F79F55CF-A782-334B-9BFC-151AFF55205C}"/>
+              </a:ext>
+            </a:extLst>
+          </p:cNvPr>
           <p:cNvSpPr/>
           <p:nvPr/>
         </p:nvSpPr>
@@ -3633,6 +3803,1099 @@
           <a:solidFill>
             <a:srgbClr val="C00000"/>
           </a:solidFill>
+        </p:spPr>
+        <p:style>
+          <a:lnRef idx="2">
+            <a:schemeClr val="accent1">
+              <a:shade val="50000"/>
+            </a:schemeClr>
+          </a:lnRef>
+          <a:fillRef idx="1">
+            <a:schemeClr val="accent1"/>
+          </a:fillRef>
+          <a:effectRef idx="0">
+            <a:schemeClr val="accent1"/>
+          </a:effectRef>
+          <a:fontRef idx="minor">
+            <a:schemeClr val="lt1"/>
+          </a:fontRef>
+        </p:style>
+        <p:txBody>
+          <a:bodyPr rtlCol="0" anchor="ctr"/>
+          <a:lstStyle/>
+          <a:p>
+            <a:pPr algn="ctr"/>
+            <a:endParaRPr lang="en-US"/>
+          </a:p>
+        </p:txBody>
+      </p:sp>
+      <p:sp>
+        <p:nvSpPr>
+          <p:cNvPr id="38" name="Can 37">
+            <a:extLst>
+              <a:ext uri="{FF2B5EF4-FFF2-40B4-BE49-F238E27FC236}">
+                <a16:creationId xmlns:a16="http://schemas.microsoft.com/office/drawing/2014/main" id="{ACF87312-7CC5-214D-A4DC-4DE0252D59AC}"/>
+              </a:ext>
+            </a:extLst>
+          </p:cNvPr>
+          <p:cNvSpPr/>
+          <p:nvPr/>
+        </p:nvSpPr>
+        <p:spPr>
+          <a:xfrm>
+            <a:off x="6673508" y="282103"/>
+            <a:ext cx="5515583" cy="6449438"/>
+          </a:xfrm>
+          <a:prstGeom prst="can">
+            <a:avLst>
+              <a:gd name="adj" fmla="val 29929"/>
+            </a:avLst>
+          </a:prstGeom>
+          <a:solidFill>
+            <a:srgbClr val="C00000">
+              <a:alpha val="28000"/>
+            </a:srgbClr>
+          </a:solidFill>
+          <a:ln w="38100">
+            <a:solidFill>
+              <a:srgbClr val="C00000"/>
+            </a:solidFill>
+          </a:ln>
+        </p:spPr>
+        <p:style>
+          <a:lnRef idx="2">
+            <a:schemeClr val="accent1">
+              <a:shade val="50000"/>
+            </a:schemeClr>
+          </a:lnRef>
+          <a:fillRef idx="1">
+            <a:schemeClr val="accent1"/>
+          </a:fillRef>
+          <a:effectRef idx="0">
+            <a:schemeClr val="accent1"/>
+          </a:effectRef>
+          <a:fontRef idx="minor">
+            <a:schemeClr val="lt1"/>
+          </a:fontRef>
+        </p:style>
+        <p:txBody>
+          <a:bodyPr rtlCol="0" anchor="ctr"/>
+          <a:lstStyle/>
+          <a:p>
+            <a:pPr algn="ctr"/>
+            <a:endParaRPr lang="en-US"/>
+          </a:p>
+        </p:txBody>
+      </p:sp>
+      <p:sp>
+        <p:nvSpPr>
+          <p:cNvPr id="39" name="Oval 38">
+            <a:extLst>
+              <a:ext uri="{FF2B5EF4-FFF2-40B4-BE49-F238E27FC236}">
+                <a16:creationId xmlns:a16="http://schemas.microsoft.com/office/drawing/2014/main" id="{79312FBD-4557-8B43-9FEF-04495611F2ED}"/>
+              </a:ext>
+            </a:extLst>
+          </p:cNvPr>
+          <p:cNvSpPr/>
+          <p:nvPr/>
+        </p:nvSpPr>
+        <p:spPr>
+          <a:xfrm>
+            <a:off x="6675566" y="1989697"/>
+            <a:ext cx="5515583" cy="1692876"/>
+          </a:xfrm>
+          <a:prstGeom prst="ellipse">
+            <a:avLst/>
+          </a:prstGeom>
+          <a:solidFill>
+            <a:srgbClr val="0070C0">
+              <a:alpha val="42000"/>
+            </a:srgbClr>
+          </a:solidFill>
+          <a:ln>
+            <a:solidFill>
+              <a:srgbClr val="C00000"/>
+            </a:solidFill>
+          </a:ln>
+        </p:spPr>
+        <p:style>
+          <a:lnRef idx="2">
+            <a:schemeClr val="accent1">
+              <a:shade val="50000"/>
+            </a:schemeClr>
+          </a:lnRef>
+          <a:fillRef idx="1">
+            <a:schemeClr val="accent1"/>
+          </a:fillRef>
+          <a:effectRef idx="0">
+            <a:schemeClr val="accent1"/>
+          </a:effectRef>
+          <a:fontRef idx="minor">
+            <a:schemeClr val="lt1"/>
+          </a:fontRef>
+        </p:style>
+        <p:txBody>
+          <a:bodyPr rtlCol="0" anchor="ctr"/>
+          <a:lstStyle/>
+          <a:p>
+            <a:pPr algn="ctr"/>
+            <a:endParaRPr lang="en-US"/>
+          </a:p>
+        </p:txBody>
+      </p:sp>
+      <p:sp>
+        <p:nvSpPr>
+          <p:cNvPr id="40" name="Oval 39">
+            <a:extLst>
+              <a:ext uri="{FF2B5EF4-FFF2-40B4-BE49-F238E27FC236}">
+                <a16:creationId xmlns:a16="http://schemas.microsoft.com/office/drawing/2014/main" id="{C011A6D1-ACAF-1E46-9991-1885F2EF75CE}"/>
+              </a:ext>
+            </a:extLst>
+          </p:cNvPr>
+          <p:cNvSpPr/>
+          <p:nvPr/>
+        </p:nvSpPr>
+        <p:spPr>
+          <a:xfrm>
+            <a:off x="6686894" y="3719644"/>
+            <a:ext cx="5515583" cy="1692876"/>
+          </a:xfrm>
+          <a:prstGeom prst="ellipse">
+            <a:avLst/>
+          </a:prstGeom>
+          <a:solidFill>
+            <a:srgbClr val="FF0000">
+              <a:alpha val="34000"/>
+            </a:srgbClr>
+          </a:solidFill>
+          <a:ln>
+            <a:solidFill>
+              <a:srgbClr val="C00000"/>
+            </a:solidFill>
+          </a:ln>
+        </p:spPr>
+        <p:style>
+          <a:lnRef idx="2">
+            <a:schemeClr val="accent1">
+              <a:shade val="50000"/>
+            </a:schemeClr>
+          </a:lnRef>
+          <a:fillRef idx="1">
+            <a:schemeClr val="accent1"/>
+          </a:fillRef>
+          <a:effectRef idx="0">
+            <a:schemeClr val="accent1"/>
+          </a:effectRef>
+          <a:fontRef idx="minor">
+            <a:schemeClr val="lt1"/>
+          </a:fontRef>
+        </p:style>
+        <p:txBody>
+          <a:bodyPr rtlCol="0" anchor="ctr"/>
+          <a:lstStyle/>
+          <a:p>
+            <a:pPr algn="ctr"/>
+            <a:endParaRPr lang="en-US"/>
+          </a:p>
+        </p:txBody>
+      </p:sp>
+      <p:sp>
+        <p:nvSpPr>
+          <p:cNvPr id="42" name="Oval 41">
+            <a:extLst>
+              <a:ext uri="{FF2B5EF4-FFF2-40B4-BE49-F238E27FC236}">
+                <a16:creationId xmlns:a16="http://schemas.microsoft.com/office/drawing/2014/main" id="{4E4AB4B9-B37E-1343-A9AA-782D3ED922E4}"/>
+              </a:ext>
+            </a:extLst>
+          </p:cNvPr>
+          <p:cNvSpPr/>
+          <p:nvPr/>
+        </p:nvSpPr>
+        <p:spPr>
+          <a:xfrm>
+            <a:off x="7788276" y="2128649"/>
+            <a:ext cx="148281" cy="148281"/>
+          </a:xfrm>
+          <a:prstGeom prst="ellipse">
+            <a:avLst/>
+          </a:prstGeom>
+          <a:solidFill>
+            <a:srgbClr val="0070C0"/>
+          </a:solidFill>
+        </p:spPr>
+        <p:style>
+          <a:lnRef idx="2">
+            <a:schemeClr val="accent1">
+              <a:shade val="50000"/>
+            </a:schemeClr>
+          </a:lnRef>
+          <a:fillRef idx="1">
+            <a:schemeClr val="accent1"/>
+          </a:fillRef>
+          <a:effectRef idx="0">
+            <a:schemeClr val="accent1"/>
+          </a:effectRef>
+          <a:fontRef idx="minor">
+            <a:schemeClr val="lt1"/>
+          </a:fontRef>
+        </p:style>
+        <p:txBody>
+          <a:bodyPr rtlCol="0" anchor="ctr"/>
+          <a:lstStyle/>
+          <a:p>
+            <a:pPr algn="ctr"/>
+            <a:endParaRPr lang="en-US"/>
+          </a:p>
+        </p:txBody>
+      </p:sp>
+      <p:cxnSp>
+        <p:nvCxnSpPr>
+          <p:cNvPr id="46" name="Straight Connector 45">
+            <a:extLst>
+              <a:ext uri="{FF2B5EF4-FFF2-40B4-BE49-F238E27FC236}">
+                <a16:creationId xmlns:a16="http://schemas.microsoft.com/office/drawing/2014/main" id="{C96731DB-C4DD-ED43-AC99-B2AA2260EE41}"/>
+              </a:ext>
+            </a:extLst>
+          </p:cNvPr>
+          <p:cNvCxnSpPr/>
+          <p:nvPr/>
+        </p:nvCxnSpPr>
+        <p:spPr>
+          <a:xfrm>
+            <a:off x="9473369" y="0"/>
+            <a:ext cx="0" cy="5980936"/>
+          </a:xfrm>
+          <a:prstGeom prst="line">
+            <a:avLst/>
+          </a:prstGeom>
+          <a:ln w="31750">
+            <a:solidFill>
+              <a:schemeClr val="tx1"/>
+            </a:solidFill>
+            <a:prstDash val="dash"/>
+            <a:headEnd type="stealth"/>
+            <a:tailEnd type="none"/>
+          </a:ln>
+        </p:spPr>
+        <p:style>
+          <a:lnRef idx="1">
+            <a:schemeClr val="accent1"/>
+          </a:lnRef>
+          <a:fillRef idx="0">
+            <a:schemeClr val="accent1"/>
+          </a:fillRef>
+          <a:effectRef idx="0">
+            <a:schemeClr val="accent1"/>
+          </a:effectRef>
+          <a:fontRef idx="minor">
+            <a:schemeClr val="tx1"/>
+          </a:fontRef>
+        </p:style>
+      </p:cxnSp>
+      <p:sp>
+        <p:nvSpPr>
+          <p:cNvPr id="47" name="TextBox 46">
+            <a:extLst>
+              <a:ext uri="{FF2B5EF4-FFF2-40B4-BE49-F238E27FC236}">
+                <a16:creationId xmlns:a16="http://schemas.microsoft.com/office/drawing/2014/main" id="{5D9B4F3E-F1A4-A840-B32C-1F030FF7422C}"/>
+              </a:ext>
+            </a:extLst>
+          </p:cNvPr>
+          <p:cNvSpPr txBox="1"/>
+          <p:nvPr/>
+        </p:nvSpPr>
+        <p:spPr>
+          <a:xfrm>
+            <a:off x="9563674" y="-122839"/>
+            <a:ext cx="263813" cy="461665"/>
+          </a:xfrm>
+          <a:prstGeom prst="rect">
+            <a:avLst/>
+          </a:prstGeom>
+          <a:noFill/>
+        </p:spPr>
+        <p:txBody>
+          <a:bodyPr wrap="square" rtlCol="0">
+            <a:spAutoFit/>
+          </a:bodyPr>
+          <a:lstStyle/>
+          <a:p>
+            <a:r>
+              <a:rPr lang="en-US" sz="2400" i="1" dirty="0">
+                <a:latin typeface="Times" charset="0"/>
+                <a:ea typeface="Times" charset="0"/>
+                <a:cs typeface="Times" charset="0"/>
+              </a:rPr>
+              <a:t>z</a:t>
+            </a:r>
+            <a:endParaRPr lang="en-US" sz="2400" dirty="0">
+              <a:latin typeface="Times" charset="0"/>
+              <a:ea typeface="Times" charset="0"/>
+              <a:cs typeface="Times" charset="0"/>
+            </a:endParaRPr>
+          </a:p>
+        </p:txBody>
+      </p:sp>
+      <p:cxnSp>
+        <p:nvCxnSpPr>
+          <p:cNvPr id="48" name="Straight Connector 47">
+            <a:extLst>
+              <a:ext uri="{FF2B5EF4-FFF2-40B4-BE49-F238E27FC236}">
+                <a16:creationId xmlns:a16="http://schemas.microsoft.com/office/drawing/2014/main" id="{0125E406-12C4-C54F-A4C9-3DAA178793B8}"/>
+              </a:ext>
+            </a:extLst>
+          </p:cNvPr>
+          <p:cNvCxnSpPr/>
+          <p:nvPr/>
+        </p:nvCxnSpPr>
+        <p:spPr>
+          <a:xfrm flipH="1">
+            <a:off x="9473370" y="5956222"/>
+            <a:ext cx="3192377" cy="0"/>
+          </a:xfrm>
+          <a:prstGeom prst="line">
+            <a:avLst/>
+          </a:prstGeom>
+          <a:ln w="31750">
+            <a:solidFill>
+              <a:schemeClr val="tx1"/>
+            </a:solidFill>
+            <a:prstDash val="dash"/>
+            <a:headEnd type="stealth"/>
+            <a:tailEnd type="none"/>
+          </a:ln>
+        </p:spPr>
+        <p:style>
+          <a:lnRef idx="1">
+            <a:schemeClr val="accent1"/>
+          </a:lnRef>
+          <a:fillRef idx="0">
+            <a:schemeClr val="accent1"/>
+          </a:fillRef>
+          <a:effectRef idx="0">
+            <a:schemeClr val="accent1"/>
+          </a:effectRef>
+          <a:fontRef idx="minor">
+            <a:schemeClr val="tx1"/>
+          </a:fontRef>
+        </p:style>
+      </p:cxnSp>
+      <p:cxnSp>
+        <p:nvCxnSpPr>
+          <p:cNvPr id="49" name="Straight Connector 48">
+            <a:extLst>
+              <a:ext uri="{FF2B5EF4-FFF2-40B4-BE49-F238E27FC236}">
+                <a16:creationId xmlns:a16="http://schemas.microsoft.com/office/drawing/2014/main" id="{2163DEC2-43E7-C642-926D-7A63458FDED9}"/>
+              </a:ext>
+            </a:extLst>
+          </p:cNvPr>
+          <p:cNvCxnSpPr/>
+          <p:nvPr/>
+        </p:nvCxnSpPr>
+        <p:spPr>
+          <a:xfrm flipH="1">
+            <a:off x="8926156" y="5968579"/>
+            <a:ext cx="547215" cy="889421"/>
+          </a:xfrm>
+          <a:prstGeom prst="line">
+            <a:avLst/>
+          </a:prstGeom>
+          <a:ln w="31750">
+            <a:solidFill>
+              <a:schemeClr val="tx1"/>
+            </a:solidFill>
+            <a:prstDash val="dash"/>
+            <a:headEnd type="none"/>
+            <a:tailEnd type="stealth"/>
+          </a:ln>
+        </p:spPr>
+        <p:style>
+          <a:lnRef idx="1">
+            <a:schemeClr val="accent1"/>
+          </a:lnRef>
+          <a:fillRef idx="0">
+            <a:schemeClr val="accent1"/>
+          </a:fillRef>
+          <a:effectRef idx="0">
+            <a:schemeClr val="accent1"/>
+          </a:effectRef>
+          <a:fontRef idx="minor">
+            <a:schemeClr val="tx1"/>
+          </a:fontRef>
+        </p:style>
+      </p:cxnSp>
+      <p:sp>
+        <p:nvSpPr>
+          <p:cNvPr id="50" name="TextBox 49">
+            <a:extLst>
+              <a:ext uri="{FF2B5EF4-FFF2-40B4-BE49-F238E27FC236}">
+                <a16:creationId xmlns:a16="http://schemas.microsoft.com/office/drawing/2014/main" id="{4FC7E4A8-CDF9-5544-BE47-B1625558ACAE}"/>
+              </a:ext>
+            </a:extLst>
+          </p:cNvPr>
+          <p:cNvSpPr txBox="1"/>
+          <p:nvPr/>
+        </p:nvSpPr>
+        <p:spPr>
+          <a:xfrm>
+            <a:off x="8780863" y="6240773"/>
+            <a:ext cx="263813" cy="461665"/>
+          </a:xfrm>
+          <a:prstGeom prst="rect">
+            <a:avLst/>
+          </a:prstGeom>
+          <a:noFill/>
+        </p:spPr>
+        <p:txBody>
+          <a:bodyPr wrap="square" rtlCol="0">
+            <a:spAutoFit/>
+          </a:bodyPr>
+          <a:lstStyle/>
+          <a:p>
+            <a:r>
+              <a:rPr lang="en-US" sz="2400" i="1" dirty="0">
+                <a:latin typeface="Times" charset="0"/>
+                <a:ea typeface="Times" charset="0"/>
+                <a:cs typeface="Times" charset="0"/>
+              </a:rPr>
+              <a:t>x</a:t>
+            </a:r>
+            <a:endParaRPr lang="en-US" sz="2400" dirty="0">
+              <a:latin typeface="Times" charset="0"/>
+              <a:ea typeface="Times" charset="0"/>
+              <a:cs typeface="Times" charset="0"/>
+            </a:endParaRPr>
+          </a:p>
+        </p:txBody>
+      </p:sp>
+      <p:sp>
+        <p:nvSpPr>
+          <p:cNvPr id="51" name="TextBox 50">
+            <a:extLst>
+              <a:ext uri="{FF2B5EF4-FFF2-40B4-BE49-F238E27FC236}">
+                <a16:creationId xmlns:a16="http://schemas.microsoft.com/office/drawing/2014/main" id="{5A28DD78-1CE5-AE40-8C9C-2985AF22BEDD}"/>
+              </a:ext>
+            </a:extLst>
+          </p:cNvPr>
+          <p:cNvSpPr txBox="1"/>
+          <p:nvPr/>
+        </p:nvSpPr>
+        <p:spPr>
+          <a:xfrm>
+            <a:off x="10781420" y="5513933"/>
+            <a:ext cx="263813" cy="461665"/>
+          </a:xfrm>
+          <a:prstGeom prst="rect">
+            <a:avLst/>
+          </a:prstGeom>
+          <a:noFill/>
+        </p:spPr>
+        <p:txBody>
+          <a:bodyPr wrap="square" rtlCol="0">
+            <a:spAutoFit/>
+          </a:bodyPr>
+          <a:lstStyle/>
+          <a:p>
+            <a:r>
+              <a:rPr lang="en-US" sz="2400" i="1" dirty="0">
+                <a:latin typeface="Times" charset="0"/>
+                <a:ea typeface="Times" charset="0"/>
+                <a:cs typeface="Times" charset="0"/>
+              </a:rPr>
+              <a:t>y</a:t>
+            </a:r>
+            <a:endParaRPr lang="en-US" sz="2400" dirty="0">
+              <a:latin typeface="Times" charset="0"/>
+              <a:ea typeface="Times" charset="0"/>
+              <a:cs typeface="Times" charset="0"/>
+            </a:endParaRPr>
+          </a:p>
+        </p:txBody>
+      </p:sp>
+      <p:sp>
+        <p:nvSpPr>
+          <p:cNvPr id="53" name="Oval 52">
+            <a:extLst>
+              <a:ext uri="{FF2B5EF4-FFF2-40B4-BE49-F238E27FC236}">
+                <a16:creationId xmlns:a16="http://schemas.microsoft.com/office/drawing/2014/main" id="{260A5B63-2D5C-7243-ACED-EBBC7153A8EA}"/>
+              </a:ext>
+            </a:extLst>
+          </p:cNvPr>
+          <p:cNvSpPr/>
+          <p:nvPr/>
+        </p:nvSpPr>
+        <p:spPr>
+          <a:xfrm flipV="1">
+            <a:off x="9416710" y="1029545"/>
+            <a:ext cx="102379" cy="92810"/>
+          </a:xfrm>
+          <a:prstGeom prst="ellipse">
+            <a:avLst/>
+          </a:prstGeom>
+          <a:solidFill>
+            <a:srgbClr val="C00000"/>
+          </a:solidFill>
+        </p:spPr>
+        <p:style>
+          <a:lnRef idx="2">
+            <a:schemeClr val="accent1">
+              <a:shade val="50000"/>
+            </a:schemeClr>
+          </a:lnRef>
+          <a:fillRef idx="1">
+            <a:schemeClr val="accent1"/>
+          </a:fillRef>
+          <a:effectRef idx="0">
+            <a:schemeClr val="accent1"/>
+          </a:effectRef>
+          <a:fontRef idx="minor">
+            <a:schemeClr val="lt1"/>
+          </a:fontRef>
+        </p:style>
+        <p:txBody>
+          <a:bodyPr rtlCol="0" anchor="ctr"/>
+          <a:lstStyle/>
+          <a:p>
+            <a:pPr algn="ctr"/>
+            <a:endParaRPr lang="en-US"/>
+          </a:p>
+        </p:txBody>
+      </p:sp>
+      <p:sp>
+        <p:nvSpPr>
+          <p:cNvPr id="5" name="Parallelogram 4">
+            <a:extLst>
+              <a:ext uri="{FF2B5EF4-FFF2-40B4-BE49-F238E27FC236}">
+                <a16:creationId xmlns:a16="http://schemas.microsoft.com/office/drawing/2014/main" id="{61463785-3274-D64E-8DC2-356723CABBC8}"/>
+              </a:ext>
+            </a:extLst>
+          </p:cNvPr>
+          <p:cNvSpPr/>
+          <p:nvPr/>
+        </p:nvSpPr>
+        <p:spPr>
+          <a:xfrm rot="10144252">
+            <a:off x="6697923" y="1190235"/>
+            <a:ext cx="5724346" cy="4695271"/>
+          </a:xfrm>
+          <a:prstGeom prst="parallelogram">
+            <a:avLst>
+              <a:gd name="adj" fmla="val 19096"/>
+            </a:avLst>
+          </a:prstGeom>
+          <a:solidFill>
+            <a:srgbClr val="C00000">
+              <a:alpha val="24000"/>
+            </a:srgbClr>
+          </a:solidFill>
+          <a:ln>
+            <a:noFill/>
+          </a:ln>
+        </p:spPr>
+        <p:style>
+          <a:lnRef idx="2">
+            <a:schemeClr val="accent1">
+              <a:shade val="50000"/>
+            </a:schemeClr>
+          </a:lnRef>
+          <a:fillRef idx="1">
+            <a:schemeClr val="accent1"/>
+          </a:fillRef>
+          <a:effectRef idx="0">
+            <a:schemeClr val="accent1"/>
+          </a:effectRef>
+          <a:fontRef idx="minor">
+            <a:schemeClr val="lt1"/>
+          </a:fontRef>
+        </p:style>
+        <p:txBody>
+          <a:bodyPr rtlCol="0" anchor="ctr"/>
+          <a:lstStyle/>
+          <a:p>
+            <a:pPr algn="ctr"/>
+            <a:endParaRPr lang="en-US"/>
+          </a:p>
+        </p:txBody>
+      </p:sp>
+      <p:sp>
+        <p:nvSpPr>
+          <p:cNvPr id="54" name="Oval 53">
+            <a:extLst>
+              <a:ext uri="{FF2B5EF4-FFF2-40B4-BE49-F238E27FC236}">
+                <a16:creationId xmlns:a16="http://schemas.microsoft.com/office/drawing/2014/main" id="{A1F5327E-DC55-2F46-B5F5-505C992402CB}"/>
+              </a:ext>
+            </a:extLst>
+          </p:cNvPr>
+          <p:cNvSpPr/>
+          <p:nvPr/>
+        </p:nvSpPr>
+        <p:spPr>
+          <a:xfrm flipV="1">
+            <a:off x="9413462" y="2777286"/>
+            <a:ext cx="102379" cy="92810"/>
+          </a:xfrm>
+          <a:prstGeom prst="ellipse">
+            <a:avLst/>
+          </a:prstGeom>
+          <a:solidFill>
+            <a:schemeClr val="accent1">
+              <a:lumMod val="50000"/>
+            </a:schemeClr>
+          </a:solidFill>
+        </p:spPr>
+        <p:style>
+          <a:lnRef idx="2">
+            <a:schemeClr val="accent1">
+              <a:shade val="50000"/>
+            </a:schemeClr>
+          </a:lnRef>
+          <a:fillRef idx="1">
+            <a:schemeClr val="accent1"/>
+          </a:fillRef>
+          <a:effectRef idx="0">
+            <a:schemeClr val="accent1"/>
+          </a:effectRef>
+          <a:fontRef idx="minor">
+            <a:schemeClr val="lt1"/>
+          </a:fontRef>
+        </p:style>
+        <p:txBody>
+          <a:bodyPr rtlCol="0" anchor="ctr"/>
+          <a:lstStyle/>
+          <a:p>
+            <a:pPr algn="ctr"/>
+            <a:endParaRPr lang="en-US"/>
+          </a:p>
+        </p:txBody>
+      </p:sp>
+      <p:sp>
+        <p:nvSpPr>
+          <p:cNvPr id="55" name="Oval 54">
+            <a:extLst>
+              <a:ext uri="{FF2B5EF4-FFF2-40B4-BE49-F238E27FC236}">
+                <a16:creationId xmlns:a16="http://schemas.microsoft.com/office/drawing/2014/main" id="{992DFEF0-2626-B84E-B9DE-6C6F063E0269}"/>
+              </a:ext>
+            </a:extLst>
+          </p:cNvPr>
+          <p:cNvSpPr/>
+          <p:nvPr/>
+        </p:nvSpPr>
+        <p:spPr>
+          <a:xfrm flipV="1">
+            <a:off x="9423194" y="4508814"/>
+            <a:ext cx="102379" cy="92810"/>
+          </a:xfrm>
+          <a:prstGeom prst="ellipse">
+            <a:avLst/>
+          </a:prstGeom>
+          <a:solidFill>
+            <a:srgbClr val="C00000"/>
+          </a:solidFill>
+        </p:spPr>
+        <p:style>
+          <a:lnRef idx="2">
+            <a:schemeClr val="accent1">
+              <a:shade val="50000"/>
+            </a:schemeClr>
+          </a:lnRef>
+          <a:fillRef idx="1">
+            <a:schemeClr val="accent1"/>
+          </a:fillRef>
+          <a:effectRef idx="0">
+            <a:schemeClr val="accent1"/>
+          </a:effectRef>
+          <a:fontRef idx="minor">
+            <a:schemeClr val="lt1"/>
+          </a:fontRef>
+        </p:style>
+        <p:txBody>
+          <a:bodyPr rtlCol="0" anchor="ctr"/>
+          <a:lstStyle/>
+          <a:p>
+            <a:pPr algn="ctr"/>
+            <a:endParaRPr lang="en-US"/>
+          </a:p>
+        </p:txBody>
+      </p:sp>
+      <p:sp>
+        <p:nvSpPr>
+          <p:cNvPr id="3" name="Chord 2">
+            <a:extLst>
+              <a:ext uri="{FF2B5EF4-FFF2-40B4-BE49-F238E27FC236}">
+                <a16:creationId xmlns:a16="http://schemas.microsoft.com/office/drawing/2014/main" id="{0C679852-B744-134A-A4EE-302CEF332FC7}"/>
+              </a:ext>
+            </a:extLst>
+          </p:cNvPr>
+          <p:cNvSpPr/>
+          <p:nvPr/>
+        </p:nvSpPr>
+        <p:spPr>
+          <a:xfrm>
+            <a:off x="6686894" y="3740426"/>
+            <a:ext cx="5522979" cy="1667830"/>
+          </a:xfrm>
+          <a:prstGeom prst="chord">
+            <a:avLst>
+              <a:gd name="adj1" fmla="val 10057561"/>
+              <a:gd name="adj2" fmla="val 21036275"/>
+            </a:avLst>
+          </a:prstGeom>
+          <a:solidFill>
+            <a:srgbClr val="C00000">
+              <a:alpha val="58000"/>
+            </a:srgbClr>
+          </a:solidFill>
+          <a:ln>
+            <a:noFill/>
+          </a:ln>
+        </p:spPr>
+        <p:style>
+          <a:lnRef idx="2">
+            <a:schemeClr val="accent1">
+              <a:shade val="50000"/>
+            </a:schemeClr>
+          </a:lnRef>
+          <a:fillRef idx="1">
+            <a:schemeClr val="accent1"/>
+          </a:fillRef>
+          <a:effectRef idx="0">
+            <a:schemeClr val="accent1"/>
+          </a:effectRef>
+          <a:fontRef idx="minor">
+            <a:schemeClr val="lt1"/>
+          </a:fontRef>
+        </p:style>
+        <p:txBody>
+          <a:bodyPr rtlCol="0" anchor="ctr"/>
+          <a:lstStyle/>
+          <a:p>
+            <a:pPr algn="ctr"/>
+            <a:endParaRPr lang="en-US"/>
+          </a:p>
+        </p:txBody>
+      </p:sp>
+      <p:sp>
+        <p:nvSpPr>
+          <p:cNvPr id="58" name="Chord 57">
+            <a:extLst>
+              <a:ext uri="{FF2B5EF4-FFF2-40B4-BE49-F238E27FC236}">
+                <a16:creationId xmlns:a16="http://schemas.microsoft.com/office/drawing/2014/main" id="{6E262CA0-ACAF-6A46-AC66-4D369706E3F6}"/>
+              </a:ext>
+            </a:extLst>
+          </p:cNvPr>
+          <p:cNvSpPr/>
+          <p:nvPr/>
+        </p:nvSpPr>
+        <p:spPr>
+          <a:xfrm>
+            <a:off x="6686894" y="274234"/>
+            <a:ext cx="5522979" cy="1667830"/>
+          </a:xfrm>
+          <a:prstGeom prst="chord">
+            <a:avLst>
+              <a:gd name="adj1" fmla="val 10057561"/>
+              <a:gd name="adj2" fmla="val 21036275"/>
+            </a:avLst>
+          </a:prstGeom>
+          <a:solidFill>
+            <a:srgbClr val="C00000">
+              <a:alpha val="67000"/>
+            </a:srgbClr>
+          </a:solidFill>
+          <a:ln>
+            <a:noFill/>
+          </a:ln>
+        </p:spPr>
+        <p:style>
+          <a:lnRef idx="2">
+            <a:schemeClr val="accent1">
+              <a:shade val="50000"/>
+            </a:schemeClr>
+          </a:lnRef>
+          <a:fillRef idx="1">
+            <a:schemeClr val="accent1"/>
+          </a:fillRef>
+          <a:effectRef idx="0">
+            <a:schemeClr val="accent1"/>
+          </a:effectRef>
+          <a:fontRef idx="minor">
+            <a:schemeClr val="lt1"/>
+          </a:fontRef>
+        </p:style>
+        <p:txBody>
+          <a:bodyPr rtlCol="0" anchor="ctr"/>
+          <a:lstStyle/>
+          <a:p>
+            <a:pPr algn="ctr"/>
+            <a:endParaRPr lang="en-US"/>
+          </a:p>
+        </p:txBody>
+      </p:sp>
+      <p:cxnSp>
+        <p:nvCxnSpPr>
+          <p:cNvPr id="7" name="Straight Connector 6">
+            <a:extLst>
+              <a:ext uri="{FF2B5EF4-FFF2-40B4-BE49-F238E27FC236}">
+                <a16:creationId xmlns:a16="http://schemas.microsoft.com/office/drawing/2014/main" id="{7740680E-3CC7-924F-9C5A-6DAFB725BEC2}"/>
+              </a:ext>
+            </a:extLst>
+          </p:cNvPr>
+          <p:cNvCxnSpPr/>
+          <p:nvPr/>
+        </p:nvCxnSpPr>
+        <p:spPr>
+          <a:xfrm flipV="1">
+            <a:off x="7218218" y="4156364"/>
+            <a:ext cx="4668982" cy="914400"/>
+          </a:xfrm>
+          <a:prstGeom prst="line">
+            <a:avLst/>
+          </a:prstGeom>
+          <a:ln>
+            <a:solidFill>
+              <a:srgbClr val="C00000"/>
+            </a:solidFill>
+          </a:ln>
+        </p:spPr>
+        <p:style>
+          <a:lnRef idx="1">
+            <a:schemeClr val="accent1"/>
+          </a:lnRef>
+          <a:fillRef idx="0">
+            <a:schemeClr val="accent1"/>
+          </a:fillRef>
+          <a:effectRef idx="0">
+            <a:schemeClr val="accent1"/>
+          </a:effectRef>
+          <a:fontRef idx="minor">
+            <a:schemeClr val="tx1"/>
+          </a:fontRef>
+        </p:style>
+      </p:cxnSp>
+      <p:cxnSp>
+        <p:nvCxnSpPr>
+          <p:cNvPr id="63" name="Straight Connector 62">
+            <a:extLst>
+              <a:ext uri="{FF2B5EF4-FFF2-40B4-BE49-F238E27FC236}">
+                <a16:creationId xmlns:a16="http://schemas.microsoft.com/office/drawing/2014/main" id="{543E2BC4-97C5-5D44-AE93-F2B061408A47}"/>
+              </a:ext>
+            </a:extLst>
+          </p:cNvPr>
+          <p:cNvCxnSpPr/>
+          <p:nvPr/>
+        </p:nvCxnSpPr>
+        <p:spPr>
+          <a:xfrm flipV="1">
+            <a:off x="7261262" y="5472775"/>
+            <a:ext cx="4668982" cy="914400"/>
+          </a:xfrm>
+          <a:prstGeom prst="line">
+            <a:avLst/>
+          </a:prstGeom>
+          <a:ln>
+            <a:solidFill>
+              <a:srgbClr val="C00000"/>
+            </a:solidFill>
+          </a:ln>
+        </p:spPr>
+        <p:style>
+          <a:lnRef idx="1">
+            <a:schemeClr val="accent1"/>
+          </a:lnRef>
+          <a:fillRef idx="0">
+            <a:schemeClr val="accent1"/>
+          </a:fillRef>
+          <a:effectRef idx="0">
+            <a:schemeClr val="accent1"/>
+          </a:effectRef>
+          <a:fontRef idx="minor">
+            <a:schemeClr val="tx1"/>
+          </a:fontRef>
+        </p:style>
+      </p:cxnSp>
+      <p:cxnSp>
+        <p:nvCxnSpPr>
+          <p:cNvPr id="64" name="Straight Connector 63">
+            <a:extLst>
+              <a:ext uri="{FF2B5EF4-FFF2-40B4-BE49-F238E27FC236}">
+                <a16:creationId xmlns:a16="http://schemas.microsoft.com/office/drawing/2014/main" id="{419366BA-D1F8-0D4C-B244-FD2F08FC41F4}"/>
+              </a:ext>
+            </a:extLst>
+          </p:cNvPr>
+          <p:cNvCxnSpPr/>
+          <p:nvPr/>
+        </p:nvCxnSpPr>
+        <p:spPr>
+          <a:xfrm flipV="1">
+            <a:off x="7218218" y="2425511"/>
+            <a:ext cx="4668982" cy="914400"/>
+          </a:xfrm>
+          <a:prstGeom prst="line">
+            <a:avLst/>
+          </a:prstGeom>
+          <a:ln>
+            <a:solidFill>
+              <a:srgbClr val="C00000"/>
+            </a:solidFill>
+          </a:ln>
+        </p:spPr>
+        <p:style>
+          <a:lnRef idx="1">
+            <a:schemeClr val="accent1"/>
+          </a:lnRef>
+          <a:fillRef idx="0">
+            <a:schemeClr val="accent1"/>
+          </a:fillRef>
+          <a:effectRef idx="0">
+            <a:schemeClr val="accent1"/>
+          </a:effectRef>
+          <a:fontRef idx="minor">
+            <a:schemeClr val="tx1"/>
+          </a:fontRef>
+        </p:style>
+      </p:cxnSp>
+      <p:sp>
+        <p:nvSpPr>
+          <p:cNvPr id="65" name="Oval 64">
+            <a:extLst>
+              <a:ext uri="{FF2B5EF4-FFF2-40B4-BE49-F238E27FC236}">
+                <a16:creationId xmlns:a16="http://schemas.microsoft.com/office/drawing/2014/main" id="{9595C91F-7CA5-3441-B827-A4D9EF32A14D}"/>
+              </a:ext>
+            </a:extLst>
+          </p:cNvPr>
+          <p:cNvSpPr/>
+          <p:nvPr/>
+        </p:nvSpPr>
+        <p:spPr>
+          <a:xfrm>
+            <a:off x="10921277" y="4256510"/>
+            <a:ext cx="148281" cy="148281"/>
+          </a:xfrm>
+          <a:prstGeom prst="ellipse">
+            <a:avLst/>
+          </a:prstGeom>
+          <a:solidFill>
+            <a:srgbClr val="FF0000"/>
+          </a:solidFill>
+          <a:ln>
+            <a:solidFill>
+              <a:srgbClr val="C00000"/>
+            </a:solidFill>
+          </a:ln>
+        </p:spPr>
+        <p:style>
+          <a:lnRef idx="2">
+            <a:schemeClr val="accent1">
+              <a:shade val="50000"/>
+            </a:schemeClr>
+          </a:lnRef>
+          <a:fillRef idx="1">
+            <a:schemeClr val="accent1"/>
+          </a:fillRef>
+          <a:effectRef idx="0">
+            <a:schemeClr val="accent1"/>
+          </a:effectRef>
+          <a:fontRef idx="minor">
+            <a:schemeClr val="lt1"/>
+          </a:fontRef>
+        </p:style>
+        <p:txBody>
+          <a:bodyPr rtlCol="0" anchor="ctr"/>
+          <a:lstStyle/>
+          <a:p>
+            <a:pPr algn="ctr"/>
+            <a:endParaRPr lang="en-US"/>
+          </a:p>
+        </p:txBody>
+      </p:sp>
+      <p:sp>
+        <p:nvSpPr>
+          <p:cNvPr id="9" name="Up-Down Arrow 8">
+            <a:extLst>
+              <a:ext uri="{FF2B5EF4-FFF2-40B4-BE49-F238E27FC236}">
+                <a16:creationId xmlns:a16="http://schemas.microsoft.com/office/drawing/2014/main" id="{2FCC8230-98D5-7B4A-B638-7F2C67CABAAC}"/>
+              </a:ext>
+            </a:extLst>
+          </p:cNvPr>
+          <p:cNvSpPr/>
+          <p:nvPr/>
+        </p:nvSpPr>
+        <p:spPr>
+          <a:xfrm>
+            <a:off x="10342221" y="3684276"/>
+            <a:ext cx="571197" cy="1330338"/>
+          </a:xfrm>
+          <a:prstGeom prst="upDownArrow">
+            <a:avLst>
+              <a:gd name="adj1" fmla="val 39955"/>
+              <a:gd name="adj2" fmla="val 50000"/>
+            </a:avLst>
+          </a:prstGeom>
+          <a:solidFill>
+            <a:schemeClr val="tx1">
+              <a:alpha val="49000"/>
+            </a:schemeClr>
+          </a:solidFill>
+          <a:ln>
+            <a:noFill/>
+          </a:ln>
+        </p:spPr>
+        <p:style>
+          <a:lnRef idx="2">
+            <a:schemeClr val="accent1">
+              <a:shade val="50000"/>
+            </a:schemeClr>
+          </a:lnRef>
+          <a:fillRef idx="1">
+            <a:schemeClr val="accent1"/>
+          </a:fillRef>
+          <a:effectRef idx="0">
+            <a:schemeClr val="accent1"/>
+          </a:effectRef>
+          <a:fontRef idx="minor">
+            <a:schemeClr val="lt1"/>
+          </a:fontRef>
+        </p:style>
+        <p:txBody>
+          <a:bodyPr rtlCol="0" anchor="ctr"/>
+          <a:lstStyle/>
+          <a:p>
+            <a:pPr algn="ctr"/>
+            <a:endParaRPr lang="en-US"/>
+          </a:p>
+        </p:txBody>
+      </p:sp>
+      <p:sp>
+        <p:nvSpPr>
+          <p:cNvPr id="68" name="Chord 67">
+            <a:extLst>
+              <a:ext uri="{FF2B5EF4-FFF2-40B4-BE49-F238E27FC236}">
+                <a16:creationId xmlns:a16="http://schemas.microsoft.com/office/drawing/2014/main" id="{7D601AE3-E5DC-D443-BA81-4B8413F358E3}"/>
+              </a:ext>
+            </a:extLst>
+          </p:cNvPr>
+          <p:cNvSpPr/>
+          <p:nvPr/>
+        </p:nvSpPr>
+        <p:spPr>
+          <a:xfrm>
+            <a:off x="6686425" y="5071738"/>
+            <a:ext cx="5522979" cy="1667830"/>
+          </a:xfrm>
+          <a:prstGeom prst="chord">
+            <a:avLst>
+              <a:gd name="adj1" fmla="val 10057561"/>
+              <a:gd name="adj2" fmla="val 21036275"/>
+            </a:avLst>
+          </a:prstGeom>
+          <a:solidFill>
+            <a:srgbClr val="C00000">
+              <a:alpha val="58000"/>
+            </a:srgbClr>
+          </a:solidFill>
+          <a:ln>
+            <a:noFill/>
+          </a:ln>
         </p:spPr>
         <p:style>
           <a:lnRef idx="2">

--- a/journalWallFriction/pictures/pdf/Zaxis.pptx
+++ b/journalWallFriction/pictures/pdf/Zaxis.pptx
@@ -243,7 +243,7 @@
           <a:p>
             <a:fld id="{C4198793-6D4C-E343-B515-791BB472C93A}" type="datetimeFigureOut">
               <a:rPr lang="en-US" smtClean="0"/>
-              <a:t>5/1/18</a:t>
+              <a:t>5/7/18</a:t>
             </a:fld>
             <a:endParaRPr lang="en-US"/>
           </a:p>
@@ -413,7 +413,7 @@
           <a:p>
             <a:fld id="{C4198793-6D4C-E343-B515-791BB472C93A}" type="datetimeFigureOut">
               <a:rPr lang="en-US" smtClean="0"/>
-              <a:t>5/1/18</a:t>
+              <a:t>5/7/18</a:t>
             </a:fld>
             <a:endParaRPr lang="en-US"/>
           </a:p>
@@ -593,7 +593,7 @@
           <a:p>
             <a:fld id="{C4198793-6D4C-E343-B515-791BB472C93A}" type="datetimeFigureOut">
               <a:rPr lang="en-US" smtClean="0"/>
-              <a:t>5/1/18</a:t>
+              <a:t>5/7/18</a:t>
             </a:fld>
             <a:endParaRPr lang="en-US"/>
           </a:p>
@@ -763,7 +763,7 @@
           <a:p>
             <a:fld id="{C4198793-6D4C-E343-B515-791BB472C93A}" type="datetimeFigureOut">
               <a:rPr lang="en-US" smtClean="0"/>
-              <a:t>5/1/18</a:t>
+              <a:t>5/7/18</a:t>
             </a:fld>
             <a:endParaRPr lang="en-US"/>
           </a:p>
@@ -1009,7 +1009,7 @@
           <a:p>
             <a:fld id="{C4198793-6D4C-E343-B515-791BB472C93A}" type="datetimeFigureOut">
               <a:rPr lang="en-US" smtClean="0"/>
-              <a:t>5/1/18</a:t>
+              <a:t>5/7/18</a:t>
             </a:fld>
             <a:endParaRPr lang="en-US"/>
           </a:p>
@@ -1241,7 +1241,7 @@
           <a:p>
             <a:fld id="{C4198793-6D4C-E343-B515-791BB472C93A}" type="datetimeFigureOut">
               <a:rPr lang="en-US" smtClean="0"/>
-              <a:t>5/1/18</a:t>
+              <a:t>5/7/18</a:t>
             </a:fld>
             <a:endParaRPr lang="en-US"/>
           </a:p>
@@ -1608,7 +1608,7 @@
           <a:p>
             <a:fld id="{C4198793-6D4C-E343-B515-791BB472C93A}" type="datetimeFigureOut">
               <a:rPr lang="en-US" smtClean="0"/>
-              <a:t>5/1/18</a:t>
+              <a:t>5/7/18</a:t>
             </a:fld>
             <a:endParaRPr lang="en-US"/>
           </a:p>
@@ -1726,7 +1726,7 @@
           <a:p>
             <a:fld id="{C4198793-6D4C-E343-B515-791BB472C93A}" type="datetimeFigureOut">
               <a:rPr lang="en-US" smtClean="0"/>
-              <a:t>5/1/18</a:t>
+              <a:t>5/7/18</a:t>
             </a:fld>
             <a:endParaRPr lang="en-US"/>
           </a:p>
@@ -1821,7 +1821,7 @@
           <a:p>
             <a:fld id="{C4198793-6D4C-E343-B515-791BB472C93A}" type="datetimeFigureOut">
               <a:rPr lang="en-US" smtClean="0"/>
-              <a:t>5/1/18</a:t>
+              <a:t>5/7/18</a:t>
             </a:fld>
             <a:endParaRPr lang="en-US"/>
           </a:p>
@@ -2098,7 +2098,7 @@
           <a:p>
             <a:fld id="{C4198793-6D4C-E343-B515-791BB472C93A}" type="datetimeFigureOut">
               <a:rPr lang="en-US" smtClean="0"/>
-              <a:t>5/1/18</a:t>
+              <a:t>5/7/18</a:t>
             </a:fld>
             <a:endParaRPr lang="en-US"/>
           </a:p>
@@ -2355,7 +2355,7 @@
           <a:p>
             <a:fld id="{C4198793-6D4C-E343-B515-791BB472C93A}" type="datetimeFigureOut">
               <a:rPr lang="en-US" smtClean="0"/>
-              <a:t>5/1/18</a:t>
+              <a:t>5/7/18</a:t>
             </a:fld>
             <a:endParaRPr lang="en-US"/>
           </a:p>
@@ -2568,7 +2568,7 @@
           <a:p>
             <a:fld id="{C4198793-6D4C-E343-B515-791BB472C93A}" type="datetimeFigureOut">
               <a:rPr lang="en-US" smtClean="0"/>
-              <a:t>5/1/18</a:t>
+              <a:t>5/7/18</a:t>
             </a:fld>
             <a:endParaRPr lang="en-US"/>
           </a:p>
@@ -3270,7 +3270,7 @@
           </a:prstGeom>
           <a:ln w="34925">
             <a:solidFill>
-              <a:srgbClr val="0070C0"/>
+              <a:srgbClr val="FF0000"/>
             </a:solidFill>
             <a:tailEnd type="triangle"/>
           </a:ln>
@@ -3312,7 +3312,7 @@
           </a:prstGeom>
           <a:ln w="34925">
             <a:solidFill>
-              <a:srgbClr val="0070C0"/>
+              <a:srgbClr val="FF0000"/>
             </a:solidFill>
             <a:tailEnd type="triangle"/>
           </a:ln>
@@ -3354,7 +3354,9 @@
           </a:prstGeom>
           <a:ln w="34925">
             <a:solidFill>
-              <a:srgbClr val="FF0000"/>
+              <a:schemeClr val="accent1">
+                <a:lumMod val="75000"/>
+              </a:schemeClr>
             </a:solidFill>
             <a:tailEnd type="triangle"/>
           </a:ln>
@@ -3660,7 +3662,9 @@
           </a:prstGeom>
           <a:ln w="34925">
             <a:solidFill>
-              <a:srgbClr val="FF0000"/>
+              <a:schemeClr val="accent1">
+                <a:lumMod val="75000"/>
+              </a:schemeClr>
             </a:solidFill>
             <a:tailEnd type="triangle"/>
           </a:ln>
@@ -4810,63 +4814,6 @@
       </p:sp>
       <p:sp>
         <p:nvSpPr>
-          <p:cNvPr id="9" name="Up-Down Arrow 8">
-            <a:extLst>
-              <a:ext uri="{FF2B5EF4-FFF2-40B4-BE49-F238E27FC236}">
-                <a16:creationId xmlns:a16="http://schemas.microsoft.com/office/drawing/2014/main" id="{2FCC8230-98D5-7B4A-B638-7F2C67CABAAC}"/>
-              </a:ext>
-            </a:extLst>
-          </p:cNvPr>
-          <p:cNvSpPr/>
-          <p:nvPr/>
-        </p:nvSpPr>
-        <p:spPr>
-          <a:xfrm>
-            <a:off x="10342221" y="3684276"/>
-            <a:ext cx="571197" cy="1330338"/>
-          </a:xfrm>
-          <a:prstGeom prst="upDownArrow">
-            <a:avLst>
-              <a:gd name="adj1" fmla="val 39955"/>
-              <a:gd name="adj2" fmla="val 50000"/>
-            </a:avLst>
-          </a:prstGeom>
-          <a:solidFill>
-            <a:schemeClr val="tx1">
-              <a:alpha val="49000"/>
-            </a:schemeClr>
-          </a:solidFill>
-          <a:ln>
-            <a:noFill/>
-          </a:ln>
-        </p:spPr>
-        <p:style>
-          <a:lnRef idx="2">
-            <a:schemeClr val="accent1">
-              <a:shade val="50000"/>
-            </a:schemeClr>
-          </a:lnRef>
-          <a:fillRef idx="1">
-            <a:schemeClr val="accent1"/>
-          </a:fillRef>
-          <a:effectRef idx="0">
-            <a:schemeClr val="accent1"/>
-          </a:effectRef>
-          <a:fontRef idx="minor">
-            <a:schemeClr val="lt1"/>
-          </a:fontRef>
-        </p:style>
-        <p:txBody>
-          <a:bodyPr rtlCol="0" anchor="ctr"/>
-          <a:lstStyle/>
-          <a:p>
-            <a:pPr algn="ctr"/>
-            <a:endParaRPr lang="en-US"/>
-          </a:p>
-        </p:txBody>
-      </p:sp>
-      <p:sp>
-        <p:nvSpPr>
           <p:cNvPr id="68" name="Chord 67">
             <a:extLst>
               <a:ext uri="{FF2B5EF4-FFF2-40B4-BE49-F238E27FC236}">
@@ -4896,6 +4843,200 @@
           <a:ln>
             <a:noFill/>
           </a:ln>
+        </p:spPr>
+        <p:style>
+          <a:lnRef idx="2">
+            <a:schemeClr val="accent1">
+              <a:shade val="50000"/>
+            </a:schemeClr>
+          </a:lnRef>
+          <a:fillRef idx="1">
+            <a:schemeClr val="accent1"/>
+          </a:fillRef>
+          <a:effectRef idx="0">
+            <a:schemeClr val="accent1"/>
+          </a:effectRef>
+          <a:fontRef idx="minor">
+            <a:schemeClr val="lt1"/>
+          </a:fontRef>
+        </p:style>
+        <p:txBody>
+          <a:bodyPr rtlCol="0" anchor="ctr"/>
+          <a:lstStyle/>
+          <a:p>
+            <a:pPr algn="ctr"/>
+            <a:endParaRPr lang="en-US"/>
+          </a:p>
+        </p:txBody>
+      </p:sp>
+      <p:cxnSp>
+        <p:nvCxnSpPr>
+          <p:cNvPr id="43" name="Straight Arrow Connector 42">
+            <a:extLst>
+              <a:ext uri="{FF2B5EF4-FFF2-40B4-BE49-F238E27FC236}">
+                <a16:creationId xmlns:a16="http://schemas.microsoft.com/office/drawing/2014/main" id="{BFF6101D-0535-F54B-9BF6-2A5722C58972}"/>
+              </a:ext>
+            </a:extLst>
+          </p:cNvPr>
+          <p:cNvCxnSpPr/>
+          <p:nvPr/>
+        </p:nvCxnSpPr>
+        <p:spPr>
+          <a:xfrm flipH="1" flipV="1">
+            <a:off x="11034227" y="4388412"/>
+            <a:ext cx="177113" cy="213212"/>
+          </a:xfrm>
+          <a:prstGeom prst="straightConnector1">
+            <a:avLst/>
+          </a:prstGeom>
+          <a:ln w="34925">
+            <a:solidFill>
+              <a:schemeClr val="accent1">
+                <a:lumMod val="75000"/>
+              </a:schemeClr>
+            </a:solidFill>
+            <a:tailEnd type="triangle"/>
+          </a:ln>
+        </p:spPr>
+        <p:style>
+          <a:lnRef idx="1">
+            <a:schemeClr val="accent1"/>
+          </a:lnRef>
+          <a:fillRef idx="0">
+            <a:schemeClr val="accent1"/>
+          </a:fillRef>
+          <a:effectRef idx="0">
+            <a:schemeClr val="accent1"/>
+          </a:effectRef>
+          <a:fontRef idx="minor">
+            <a:schemeClr val="tx1"/>
+          </a:fontRef>
+        </p:style>
+      </p:cxnSp>
+      <p:cxnSp>
+        <p:nvCxnSpPr>
+          <p:cNvPr id="44" name="Straight Arrow Connector 43">
+            <a:extLst>
+              <a:ext uri="{FF2B5EF4-FFF2-40B4-BE49-F238E27FC236}">
+                <a16:creationId xmlns:a16="http://schemas.microsoft.com/office/drawing/2014/main" id="{E16600B8-CDA0-1F4F-A4B9-AA66AA3DE946}"/>
+              </a:ext>
+            </a:extLst>
+          </p:cNvPr>
+          <p:cNvCxnSpPr>
+            <a:cxnSpLocks/>
+          </p:cNvCxnSpPr>
+          <p:nvPr/>
+        </p:nvCxnSpPr>
+        <p:spPr>
+          <a:xfrm flipH="1" flipV="1">
+            <a:off x="7893153" y="2253382"/>
+            <a:ext cx="177113" cy="213212"/>
+          </a:xfrm>
+          <a:prstGeom prst="straightConnector1">
+            <a:avLst/>
+          </a:prstGeom>
+          <a:ln w="34925">
+            <a:solidFill>
+              <a:schemeClr val="accent1">
+                <a:lumMod val="75000"/>
+              </a:schemeClr>
+            </a:solidFill>
+            <a:tailEnd type="triangle"/>
+          </a:ln>
+        </p:spPr>
+        <p:style>
+          <a:lnRef idx="1">
+            <a:schemeClr val="accent1"/>
+          </a:lnRef>
+          <a:fillRef idx="0">
+            <a:schemeClr val="accent1"/>
+          </a:fillRef>
+          <a:effectRef idx="0">
+            <a:schemeClr val="accent1"/>
+          </a:effectRef>
+          <a:fontRef idx="minor">
+            <a:schemeClr val="tx1"/>
+          </a:fontRef>
+        </p:style>
+      </p:cxnSp>
+      <p:sp>
+        <p:nvSpPr>
+          <p:cNvPr id="4" name="Down Arrow 3">
+            <a:extLst>
+              <a:ext uri="{FF2B5EF4-FFF2-40B4-BE49-F238E27FC236}">
+                <a16:creationId xmlns:a16="http://schemas.microsoft.com/office/drawing/2014/main" id="{5FEB3181-2040-7E4F-97BB-D4E91C9D058D}"/>
+              </a:ext>
+            </a:extLst>
+          </p:cNvPr>
+          <p:cNvSpPr/>
+          <p:nvPr/>
+        </p:nvSpPr>
+        <p:spPr>
+          <a:xfrm>
+            <a:off x="8031499" y="6110239"/>
+            <a:ext cx="351981" cy="566418"/>
+          </a:xfrm>
+          <a:prstGeom prst="downArrow">
+            <a:avLst/>
+          </a:prstGeom>
+          <a:solidFill>
+            <a:schemeClr val="tx2">
+              <a:lumMod val="75000"/>
+              <a:alpha val="64000"/>
+            </a:schemeClr>
+          </a:solidFill>
+        </p:spPr>
+        <p:style>
+          <a:lnRef idx="2">
+            <a:schemeClr val="accent1">
+              <a:shade val="50000"/>
+            </a:schemeClr>
+          </a:lnRef>
+          <a:fillRef idx="1">
+            <a:schemeClr val="accent1"/>
+          </a:fillRef>
+          <a:effectRef idx="0">
+            <a:schemeClr val="accent1"/>
+          </a:effectRef>
+          <a:fontRef idx="minor">
+            <a:schemeClr val="lt1"/>
+          </a:fontRef>
+        </p:style>
+        <p:txBody>
+          <a:bodyPr rtlCol="0" anchor="ctr"/>
+          <a:lstStyle/>
+          <a:p>
+            <a:pPr algn="ctr"/>
+            <a:endParaRPr lang="en-US"/>
+          </a:p>
+        </p:txBody>
+      </p:sp>
+      <p:sp>
+        <p:nvSpPr>
+          <p:cNvPr id="52" name="Down Arrow 51">
+            <a:extLst>
+              <a:ext uri="{FF2B5EF4-FFF2-40B4-BE49-F238E27FC236}">
+                <a16:creationId xmlns:a16="http://schemas.microsoft.com/office/drawing/2014/main" id="{6E6AE7CC-028C-514A-94BA-24979A1FE4E4}"/>
+              </a:ext>
+            </a:extLst>
+          </p:cNvPr>
+          <p:cNvSpPr/>
+          <p:nvPr/>
+        </p:nvSpPr>
+        <p:spPr>
+          <a:xfrm rot="10800000">
+            <a:off x="8031499" y="798174"/>
+            <a:ext cx="351981" cy="566418"/>
+          </a:xfrm>
+          <a:prstGeom prst="downArrow">
+            <a:avLst/>
+          </a:prstGeom>
+          <a:solidFill>
+            <a:schemeClr val="tx2">
+              <a:lumMod val="75000"/>
+              <a:alpha val="64000"/>
+            </a:schemeClr>
+          </a:solidFill>
         </p:spPr>
         <p:style>
           <a:lnRef idx="2">
